--- a/Microservice03.pptx
+++ b/Microservice03.pptx
@@ -5,12 +5,22 @@
     <p:sldMasterId id="2147483648" r:id="rId1"/>
   </p:sldMasterIdLst>
   <p:notesMasterIdLst>
-    <p:notesMasterId r:id="rId5"/>
+    <p:notesMasterId r:id="rId15"/>
   </p:notesMasterIdLst>
   <p:sldIdLst>
     <p:sldId id="256" r:id="rId2"/>
     <p:sldId id="269" r:id="rId3"/>
-    <p:sldId id="258" r:id="rId4"/>
+    <p:sldId id="278" r:id="rId4"/>
+    <p:sldId id="266" r:id="rId5"/>
+    <p:sldId id="276" r:id="rId6"/>
+    <p:sldId id="279" r:id="rId7"/>
+    <p:sldId id="277" r:id="rId8"/>
+    <p:sldId id="280" r:id="rId9"/>
+    <p:sldId id="281" r:id="rId10"/>
+    <p:sldId id="270" r:id="rId11"/>
+    <p:sldId id="273" r:id="rId12"/>
+    <p:sldId id="272" r:id="rId13"/>
+    <p:sldId id="258" r:id="rId14"/>
   </p:sldIdLst>
   <p:sldSz cx="9144000" cy="6858000" type="screen4x3"/>
   <p:notesSz cx="6858000" cy="9144000"/>
@@ -195,7 +205,7 @@
             <a:fld id="{1AA0A25A-0933-4BB6-AB00-1CCD3F98FE01}" type="datetimeFigureOut">
               <a:rPr lang="zh-TW" altLang="en-US" smtClean="0"/>
               <a:pPr/>
-              <a:t>2019/8/6</a:t>
+              <a:t>2019/8/20</a:t>
             </a:fld>
             <a:endParaRPr lang="zh-TW" altLang="en-US"/>
           </a:p>
@@ -461,6 +471,165 @@
 </p:notesMaster>
 </file>
 
+<file path=ppt/notesSlides/notesSlide1.xml><?xml version="1.0" encoding="utf-8"?>
+<p:notes xmlns:a="http://schemas.openxmlformats.org/drawingml/2006/main" xmlns:r="http://schemas.openxmlformats.org/officeDocument/2006/relationships" xmlns:p="http://schemas.openxmlformats.org/presentationml/2006/main">
+  <p:cSld>
+    <p:spTree>
+      <p:nvGrpSpPr>
+        <p:cNvPr id="1" name=""/>
+        <p:cNvGrpSpPr/>
+        <p:nvPr/>
+      </p:nvGrpSpPr>
+      <p:grpSpPr>
+        <a:xfrm>
+          <a:off x="0" y="0"/>
+          <a:ext cx="0" cy="0"/>
+          <a:chOff x="0" y="0"/>
+          <a:chExt cx="0" cy="0"/>
+        </a:xfrm>
+      </p:grpSpPr>
+      <p:sp>
+        <p:nvSpPr>
+          <p:cNvPr id="2" name="投影片圖像版面配置區 1"/>
+          <p:cNvSpPr>
+            <a:spLocks noGrp="1" noRot="1" noChangeAspect="1"/>
+          </p:cNvSpPr>
+          <p:nvPr>
+            <p:ph type="sldImg"/>
+          </p:nvPr>
+        </p:nvSpPr>
+        <p:spPr/>
+      </p:sp>
+      <p:sp>
+        <p:nvSpPr>
+          <p:cNvPr id="3" name="備忘稿版面配置區 2"/>
+          <p:cNvSpPr>
+            <a:spLocks noGrp="1"/>
+          </p:cNvSpPr>
+          <p:nvPr>
+            <p:ph type="body" idx="1"/>
+          </p:nvPr>
+        </p:nvSpPr>
+        <p:spPr/>
+        <p:txBody>
+          <a:bodyPr>
+            <a:normAutofit/>
+          </a:bodyPr>
+          <a:lstStyle/>
+          <a:p>
+            <a:r>
+              <a:rPr lang="zh-CN" altLang="en-US" sz="1200" b="0" i="0" kern="1200" dirty="0" smtClean="0">
+                <a:solidFill>
+                  <a:schemeClr val="tx1"/>
+                </a:solidFill>
+                <a:latin typeface="+mn-lt"/>
+                <a:ea typeface="+mn-ea"/>
+                <a:cs typeface="+mn-cs"/>
+              </a:rPr>
+              <a:t>消息队列（</a:t>
+            </a:r>
+            <a:r>
+              <a:rPr lang="en-US" altLang="zh-CN" sz="1200" b="0" i="0" kern="1200" dirty="0" smtClean="0">
+                <a:solidFill>
+                  <a:schemeClr val="tx1"/>
+                </a:solidFill>
+                <a:latin typeface="+mn-lt"/>
+                <a:ea typeface="+mn-ea"/>
+                <a:cs typeface="+mn-cs"/>
+              </a:rPr>
+              <a:t>Message Queue</a:t>
+            </a:r>
+            <a:r>
+              <a:rPr lang="zh-CN" altLang="en-US" sz="1200" b="0" i="0" kern="1200" dirty="0" smtClean="0">
+                <a:solidFill>
+                  <a:schemeClr val="tx1"/>
+                </a:solidFill>
+                <a:latin typeface="+mn-lt"/>
+                <a:ea typeface="+mn-ea"/>
+                <a:cs typeface="+mn-cs"/>
+              </a:rPr>
+              <a:t>）是一种应用间的通信方式，消息发送后可以立即返回，由消息系统来确保消息的可靠传递。消息发布者只管把消息发布到 </a:t>
+            </a:r>
+            <a:r>
+              <a:rPr lang="en-US" altLang="zh-CN" sz="1200" b="0" i="0" kern="1200" dirty="0" smtClean="0">
+                <a:solidFill>
+                  <a:schemeClr val="tx1"/>
+                </a:solidFill>
+                <a:latin typeface="+mn-lt"/>
+                <a:ea typeface="+mn-ea"/>
+                <a:cs typeface="+mn-cs"/>
+              </a:rPr>
+              <a:t>MQ </a:t>
+            </a:r>
+            <a:r>
+              <a:rPr lang="zh-CN" altLang="en-US" sz="1200" b="0" i="0" kern="1200" dirty="0" smtClean="0">
+                <a:solidFill>
+                  <a:schemeClr val="tx1"/>
+                </a:solidFill>
+                <a:latin typeface="+mn-lt"/>
+                <a:ea typeface="+mn-ea"/>
+                <a:cs typeface="+mn-cs"/>
+              </a:rPr>
+              <a:t>中而不用管谁来取，消息使用者只管从 </a:t>
+            </a:r>
+            <a:r>
+              <a:rPr lang="en-US" altLang="zh-CN" sz="1200" b="0" i="0" kern="1200" dirty="0" smtClean="0">
+                <a:solidFill>
+                  <a:schemeClr val="tx1"/>
+                </a:solidFill>
+                <a:latin typeface="+mn-lt"/>
+                <a:ea typeface="+mn-ea"/>
+                <a:cs typeface="+mn-cs"/>
+              </a:rPr>
+              <a:t>MQ </a:t>
+            </a:r>
+            <a:r>
+              <a:rPr lang="zh-CN" altLang="en-US" sz="1200" b="0" i="0" kern="1200" dirty="0" smtClean="0">
+                <a:solidFill>
+                  <a:schemeClr val="tx1"/>
+                </a:solidFill>
+                <a:latin typeface="+mn-lt"/>
+                <a:ea typeface="+mn-ea"/>
+                <a:cs typeface="+mn-cs"/>
+              </a:rPr>
+              <a:t>中取消息而不管是谁发布的。这样发布者和使用者都不用知道对方的存在。</a:t>
+            </a:r>
+            <a:endParaRPr lang="zh-TW" altLang="en-US" dirty="0"/>
+          </a:p>
+        </p:txBody>
+      </p:sp>
+      <p:sp>
+        <p:nvSpPr>
+          <p:cNvPr id="4" name="投影片編號版面配置區 3"/>
+          <p:cNvSpPr>
+            <a:spLocks noGrp="1"/>
+          </p:cNvSpPr>
+          <p:nvPr>
+            <p:ph type="sldNum" sz="quarter" idx="10"/>
+          </p:nvPr>
+        </p:nvSpPr>
+        <p:spPr/>
+        <p:txBody>
+          <a:bodyPr/>
+          <a:lstStyle/>
+          <a:p>
+            <a:fld id="{EBCDBD26-8CC2-46A5-955D-726EBB0D1348}" type="slidenum">
+              <a:rPr lang="zh-TW" altLang="en-US" smtClean="0"/>
+              <a:pPr/>
+              <a:t>3</a:t>
+            </a:fld>
+            <a:endParaRPr lang="zh-TW" altLang="en-US"/>
+          </a:p>
+        </p:txBody>
+      </p:sp>
+    </p:spTree>
+  </p:cSld>
+  <p:clrMapOvr>
+    <a:masterClrMapping/>
+  </p:clrMapOvr>
+</p:notes>
+</file>
+
 <file path=ppt/slideLayouts/slideLayout1.xml><?xml version="1.0" encoding="utf-8"?>
 <p:sldLayout xmlns:a="http://schemas.openxmlformats.org/drawingml/2006/main" xmlns:r="http://schemas.openxmlformats.org/officeDocument/2006/relationships" xmlns:p="http://schemas.openxmlformats.org/presentationml/2006/main" type="title" preserve="1">
   <p:cSld name="標題投影片">
@@ -643,7 +812,7 @@
             <a:fld id="{FD877D34-32F8-4B33-9092-4B8820F5807F}" type="datetimeFigureOut">
               <a:rPr lang="zh-TW" altLang="en-US" smtClean="0"/>
               <a:pPr/>
-              <a:t>2019/8/6</a:t>
+              <a:t>2019/8/20</a:t>
             </a:fld>
             <a:endParaRPr lang="zh-TW" altLang="en-US"/>
           </a:p>
@@ -810,7 +979,7 @@
             <a:fld id="{FD877D34-32F8-4B33-9092-4B8820F5807F}" type="datetimeFigureOut">
               <a:rPr lang="zh-TW" altLang="en-US" smtClean="0"/>
               <a:pPr/>
-              <a:t>2019/8/6</a:t>
+              <a:t>2019/8/20</a:t>
             </a:fld>
             <a:endParaRPr lang="zh-TW" altLang="en-US"/>
           </a:p>
@@ -987,7 +1156,7 @@
             <a:fld id="{FD877D34-32F8-4B33-9092-4B8820F5807F}" type="datetimeFigureOut">
               <a:rPr lang="zh-TW" altLang="en-US" smtClean="0"/>
               <a:pPr/>
-              <a:t>2019/8/6</a:t>
+              <a:t>2019/8/20</a:t>
             </a:fld>
             <a:endParaRPr lang="zh-TW" altLang="en-US"/>
           </a:p>
@@ -1154,7 +1323,7 @@
             <a:fld id="{FD877D34-32F8-4B33-9092-4B8820F5807F}" type="datetimeFigureOut">
               <a:rPr lang="zh-TW" altLang="en-US" smtClean="0"/>
               <a:pPr/>
-              <a:t>2019/8/6</a:t>
+              <a:t>2019/8/20</a:t>
             </a:fld>
             <a:endParaRPr lang="zh-TW" altLang="en-US"/>
           </a:p>
@@ -1397,7 +1566,7 @@
             <a:fld id="{FD877D34-32F8-4B33-9092-4B8820F5807F}" type="datetimeFigureOut">
               <a:rPr lang="zh-TW" altLang="en-US" smtClean="0"/>
               <a:pPr/>
-              <a:t>2019/8/6</a:t>
+              <a:t>2019/8/20</a:t>
             </a:fld>
             <a:endParaRPr lang="zh-TW" altLang="en-US"/>
           </a:p>
@@ -1682,7 +1851,7 @@
             <a:fld id="{FD877D34-32F8-4B33-9092-4B8820F5807F}" type="datetimeFigureOut">
               <a:rPr lang="zh-TW" altLang="en-US" smtClean="0"/>
               <a:pPr/>
-              <a:t>2019/8/6</a:t>
+              <a:t>2019/8/20</a:t>
             </a:fld>
             <a:endParaRPr lang="zh-TW" altLang="en-US"/>
           </a:p>
@@ -2101,7 +2270,7 @@
             <a:fld id="{FD877D34-32F8-4B33-9092-4B8820F5807F}" type="datetimeFigureOut">
               <a:rPr lang="zh-TW" altLang="en-US" smtClean="0"/>
               <a:pPr/>
-              <a:t>2019/8/6</a:t>
+              <a:t>2019/8/20</a:t>
             </a:fld>
             <a:endParaRPr lang="zh-TW" altLang="en-US"/>
           </a:p>
@@ -2216,7 +2385,7 @@
             <a:fld id="{FD877D34-32F8-4B33-9092-4B8820F5807F}" type="datetimeFigureOut">
               <a:rPr lang="zh-TW" altLang="en-US" smtClean="0"/>
               <a:pPr/>
-              <a:t>2019/8/6</a:t>
+              <a:t>2019/8/20</a:t>
             </a:fld>
             <a:endParaRPr lang="zh-TW" altLang="en-US"/>
           </a:p>
@@ -2308,7 +2477,7 @@
             <a:fld id="{FD877D34-32F8-4B33-9092-4B8820F5807F}" type="datetimeFigureOut">
               <a:rPr lang="zh-TW" altLang="en-US" smtClean="0"/>
               <a:pPr/>
-              <a:t>2019/8/6</a:t>
+              <a:t>2019/8/20</a:t>
             </a:fld>
             <a:endParaRPr lang="zh-TW" altLang="en-US"/>
           </a:p>
@@ -2582,7 +2751,7 @@
             <a:fld id="{FD877D34-32F8-4B33-9092-4B8820F5807F}" type="datetimeFigureOut">
               <a:rPr lang="zh-TW" altLang="en-US" smtClean="0"/>
               <a:pPr/>
-              <a:t>2019/8/6</a:t>
+              <a:t>2019/8/20</a:t>
             </a:fld>
             <a:endParaRPr lang="zh-TW" altLang="en-US"/>
           </a:p>
@@ -2832,7 +3001,7 @@
             <a:fld id="{FD877D34-32F8-4B33-9092-4B8820F5807F}" type="datetimeFigureOut">
               <a:rPr lang="zh-TW" altLang="en-US" smtClean="0"/>
               <a:pPr/>
-              <a:t>2019/8/6</a:t>
+              <a:t>2019/8/20</a:t>
             </a:fld>
             <a:endParaRPr lang="zh-TW" altLang="en-US"/>
           </a:p>
@@ -3042,7 +3211,7 @@
             <a:fld id="{FD877D34-32F8-4B33-9092-4B8820F5807F}" type="datetimeFigureOut">
               <a:rPr lang="zh-TW" altLang="en-US" smtClean="0"/>
               <a:pPr/>
-              <a:t>2019/8/6</a:t>
+              <a:t>2019/8/20</a:t>
             </a:fld>
             <a:endParaRPr lang="zh-TW" altLang="en-US"/>
           </a:p>
@@ -3429,12 +3598,27 @@
           <a:lstStyle/>
           <a:p>
             <a:r>
-              <a:rPr lang="en-US" altLang="zh-TW" smtClean="0"/>
-              <a:t>Cloud </a:t>
-            </a:r>
-            <a:r>
-              <a:rPr lang="en-US" altLang="zh-TW" smtClean="0"/>
-              <a:t>Services -AWS</a:t>
+              <a:rPr lang="en-US" altLang="zh-TW" dirty="0" smtClean="0"/>
+              <a:t>Microservice</a:t>
+            </a:r>
+            <a:r>
+              <a:rPr lang="zh-TW" altLang="en-US" dirty="0" smtClean="0"/>
+              <a:t> </a:t>
+            </a:r>
+            <a:r>
+              <a:rPr lang="en-US" altLang="zh-TW" dirty="0" smtClean="0"/>
+              <a:t>03</a:t>
+            </a:r>
+            <a:r>
+              <a:rPr lang="en-US" altLang="zh-TW" dirty="0" smtClean="0"/>
+              <a:t/>
+            </a:r>
+            <a:br>
+              <a:rPr lang="en-US" altLang="zh-TW" dirty="0" smtClean="0"/>
+            </a:br>
+            <a:r>
+              <a:rPr lang="en-US" altLang="zh-TW" dirty="0" smtClean="0"/>
+              <a:t>Rabbit MQ</a:t>
             </a:r>
             <a:endParaRPr lang="zh-TW" altLang="en-US" dirty="0"/>
           </a:p>
@@ -3450,6 +3634,74 @@
             <p:ph type="subTitle" idx="1"/>
           </p:nvPr>
         </p:nvSpPr>
+        <p:spPr>
+          <a:xfrm>
+            <a:off x="1371600" y="3886200"/>
+            <a:ext cx="6800800" cy="1752600"/>
+          </a:xfrm>
+        </p:spPr>
+        <p:txBody>
+          <a:bodyPr>
+            <a:normAutofit/>
+          </a:bodyPr>
+          <a:lstStyle/>
+          <a:p>
+            <a:r>
+              <a:rPr lang="en-US" altLang="zh-TW" dirty="0" smtClean="0"/>
+              <a:t>Github: </a:t>
+            </a:r>
+            <a:r>
+              <a:rPr lang="en-US" altLang="zh-TW" dirty="0" smtClean="0">
+                <a:hlinkClick r:id="rId2"/>
+              </a:rPr>
+              <a:t>https://github.com/jimliu7434/microservice-sample</a:t>
+            </a:r>
+            <a:endParaRPr lang="en-US" altLang="zh-TW" dirty="0" smtClean="0"/>
+          </a:p>
+        </p:txBody>
+      </p:sp>
+    </p:spTree>
+  </p:cSld>
+  <p:clrMapOvr>
+    <a:masterClrMapping/>
+  </p:clrMapOvr>
+  <p:timing>
+    <p:tnLst>
+      <p:par>
+        <p:cTn id="1" dur="indefinite" restart="never" nodeType="tmRoot"/>
+      </p:par>
+    </p:tnLst>
+  </p:timing>
+</p:sld>
+</file>
+
+<file path=ppt/slides/slide10.xml><?xml version="1.0" encoding="utf-8"?>
+<p:sld xmlns:a="http://schemas.openxmlformats.org/drawingml/2006/main" xmlns:r="http://schemas.openxmlformats.org/officeDocument/2006/relationships" xmlns:p="http://schemas.openxmlformats.org/presentationml/2006/main">
+  <p:cSld>
+    <p:spTree>
+      <p:nvGrpSpPr>
+        <p:cNvPr id="1" name=""/>
+        <p:cNvGrpSpPr/>
+        <p:nvPr/>
+      </p:nvGrpSpPr>
+      <p:grpSpPr>
+        <a:xfrm>
+          <a:off x="0" y="0"/>
+          <a:ext cx="0" cy="0"/>
+          <a:chOff x="0" y="0"/>
+          <a:chExt cx="0" cy="0"/>
+        </a:xfrm>
+      </p:grpSpPr>
+      <p:sp>
+        <p:nvSpPr>
+          <p:cNvPr id="2" name="標題 1"/>
+          <p:cNvSpPr>
+            <a:spLocks noGrp="1"/>
+          </p:cNvSpPr>
+          <p:nvPr>
+            <p:ph type="title"/>
+          </p:nvPr>
+        </p:nvSpPr>
         <p:spPr/>
         <p:txBody>
           <a:bodyPr/>
@@ -3457,8 +3709,584 @@
           <a:p>
             <a:r>
               <a:rPr lang="en-US" altLang="zh-TW" dirty="0" smtClean="0"/>
-              <a:t>Microservice</a:t>
-            </a:r>
+              <a:t>Service Discovery</a:t>
+            </a:r>
+            <a:endParaRPr lang="zh-TW" altLang="en-US" dirty="0"/>
+          </a:p>
+        </p:txBody>
+      </p:sp>
+      <p:sp>
+        <p:nvSpPr>
+          <p:cNvPr id="3" name="內容版面配置區 2"/>
+          <p:cNvSpPr>
+            <a:spLocks noGrp="1"/>
+          </p:cNvSpPr>
+          <p:nvPr>
+            <p:ph idx="1"/>
+          </p:nvPr>
+        </p:nvSpPr>
+        <p:spPr>
+          <a:xfrm>
+            <a:off x="251520" y="2276872"/>
+            <a:ext cx="3672408" cy="2592288"/>
+          </a:xfrm>
+        </p:spPr>
+        <p:txBody>
+          <a:bodyPr>
+            <a:normAutofit/>
+          </a:bodyPr>
+          <a:lstStyle/>
+          <a:p>
+            <a:r>
+              <a:rPr lang="en-US" altLang="zh-TW" dirty="0" smtClean="0"/>
+              <a:t>Where is XXX service ? </a:t>
+            </a:r>
+          </a:p>
+          <a:p>
+            <a:r>
+              <a:rPr lang="en-US" altLang="zh-TW" dirty="0" smtClean="0"/>
+              <a:t>Who is online</a:t>
+            </a:r>
+            <a:r>
+              <a:rPr lang="zh-TW" altLang="en-US" dirty="0" smtClean="0"/>
+              <a:t> </a:t>
+            </a:r>
+            <a:r>
+              <a:rPr lang="en-US" altLang="zh-TW" dirty="0" smtClean="0"/>
+              <a:t>? </a:t>
+            </a:r>
+          </a:p>
+          <a:p>
+            <a:pPr>
+              <a:buNone/>
+            </a:pPr>
+            <a:endParaRPr lang="en-US" altLang="zh-TW" dirty="0" smtClean="0"/>
+          </a:p>
+        </p:txBody>
+      </p:sp>
+      <p:pic>
+        <p:nvPicPr>
+          <p:cNvPr id="5" name="圖片 4" descr="Richardson-microservices-part4-1_difficult-service-discovery.png"/>
+          <p:cNvPicPr>
+            <a:picLocks noChangeAspect="1"/>
+          </p:cNvPicPr>
+          <p:nvPr/>
+        </p:nvPicPr>
+        <p:blipFill>
+          <a:blip r:embed="rId2" cstate="print"/>
+          <a:stretch>
+            <a:fillRect/>
+          </a:stretch>
+        </p:blipFill>
+        <p:spPr>
+          <a:xfrm>
+            <a:off x="3275856" y="1412776"/>
+            <a:ext cx="5739574" cy="5112568"/>
+          </a:xfrm>
+          <a:prstGeom prst="rect">
+            <a:avLst/>
+          </a:prstGeom>
+        </p:spPr>
+      </p:pic>
+    </p:spTree>
+  </p:cSld>
+  <p:clrMapOvr>
+    <a:masterClrMapping/>
+  </p:clrMapOvr>
+  <p:timing>
+    <p:tnLst>
+      <p:par>
+        <p:cTn id="1" dur="indefinite" restart="never" nodeType="tmRoot"/>
+      </p:par>
+    </p:tnLst>
+  </p:timing>
+</p:sld>
+</file>
+
+<file path=ppt/slides/slide11.xml><?xml version="1.0" encoding="utf-8"?>
+<p:sld xmlns:a="http://schemas.openxmlformats.org/drawingml/2006/main" xmlns:r="http://schemas.openxmlformats.org/officeDocument/2006/relationships" xmlns:p="http://schemas.openxmlformats.org/presentationml/2006/main">
+  <p:cSld>
+    <p:spTree>
+      <p:nvGrpSpPr>
+        <p:cNvPr id="1" name=""/>
+        <p:cNvGrpSpPr/>
+        <p:nvPr/>
+      </p:nvGrpSpPr>
+      <p:grpSpPr>
+        <a:xfrm>
+          <a:off x="0" y="0"/>
+          <a:ext cx="0" cy="0"/>
+          <a:chOff x="0" y="0"/>
+          <a:chExt cx="0" cy="0"/>
+        </a:xfrm>
+      </p:grpSpPr>
+      <p:sp>
+        <p:nvSpPr>
+          <p:cNvPr id="2" name="標題 1"/>
+          <p:cNvSpPr>
+            <a:spLocks noGrp="1"/>
+          </p:cNvSpPr>
+          <p:nvPr>
+            <p:ph type="title"/>
+          </p:nvPr>
+        </p:nvSpPr>
+        <p:spPr>
+          <a:xfrm>
+            <a:off x="395536" y="188640"/>
+            <a:ext cx="8229600" cy="1143000"/>
+          </a:xfrm>
+        </p:spPr>
+        <p:txBody>
+          <a:bodyPr/>
+          <a:lstStyle/>
+          <a:p>
+            <a:r>
+              <a:rPr lang="en-US" altLang="zh-TW" dirty="0" smtClean="0"/>
+              <a:t>Service Discovery</a:t>
+            </a:r>
+            <a:endParaRPr lang="zh-TW" altLang="en-US" dirty="0"/>
+          </a:p>
+        </p:txBody>
+      </p:sp>
+      <p:sp>
+        <p:nvSpPr>
+          <p:cNvPr id="3" name="內容版面配置區 2"/>
+          <p:cNvSpPr>
+            <a:spLocks noGrp="1"/>
+          </p:cNvSpPr>
+          <p:nvPr>
+            <p:ph idx="1"/>
+          </p:nvPr>
+        </p:nvSpPr>
+        <p:spPr>
+          <a:xfrm>
+            <a:off x="323528" y="4797152"/>
+            <a:ext cx="8640960" cy="1872208"/>
+          </a:xfrm>
+        </p:spPr>
+        <p:txBody>
+          <a:bodyPr>
+            <a:normAutofit fontScale="92500"/>
+          </a:bodyPr>
+          <a:lstStyle/>
+          <a:p>
+            <a:r>
+              <a:rPr lang="en-US" altLang="zh-TW" b="1" dirty="0" smtClean="0"/>
+              <a:t>Register</a:t>
+            </a:r>
+            <a:r>
+              <a:rPr lang="zh-TW" altLang="en-US" dirty="0" smtClean="0"/>
+              <a:t>：</a:t>
+            </a:r>
+            <a:r>
+              <a:rPr lang="en-US" altLang="zh-TW" dirty="0" smtClean="0"/>
+              <a:t>Registering when service started</a:t>
+            </a:r>
+            <a:r>
+              <a:rPr lang="zh-TW" altLang="en-US" dirty="0" smtClean="0"/>
+              <a:t> </a:t>
+            </a:r>
+            <a:r>
+              <a:rPr lang="en-US" altLang="zh-TW" dirty="0" smtClean="0"/>
+              <a:t>/</a:t>
+            </a:r>
+            <a:r>
+              <a:rPr lang="zh-TW" altLang="en-US" dirty="0" smtClean="0"/>
+              <a:t> </a:t>
+            </a:r>
+            <a:r>
+              <a:rPr lang="en-US" altLang="zh-TW" dirty="0" smtClean="0"/>
+              <a:t>leaved</a:t>
+            </a:r>
+          </a:p>
+          <a:p>
+            <a:r>
+              <a:rPr lang="en-US" altLang="zh-TW" b="1" dirty="0" smtClean="0"/>
+              <a:t>Query</a:t>
+            </a:r>
+            <a:r>
+              <a:rPr lang="zh-TW" altLang="en-US" dirty="0" smtClean="0"/>
+              <a:t>：</a:t>
+            </a:r>
+            <a:r>
+              <a:rPr lang="en-US" altLang="zh-TW" dirty="0" smtClean="0"/>
+              <a:t>Query which IP lists</a:t>
+            </a:r>
+          </a:p>
+          <a:p>
+            <a:r>
+              <a:rPr lang="en-US" altLang="zh-TW" b="1" dirty="0" smtClean="0"/>
+              <a:t>Healthy Check</a:t>
+            </a:r>
+            <a:r>
+              <a:rPr lang="zh-TW" altLang="en-US" b="1" dirty="0" smtClean="0"/>
+              <a:t>：</a:t>
+            </a:r>
+            <a:r>
+              <a:rPr lang="en-US" altLang="zh-TW" dirty="0" smtClean="0"/>
+              <a:t>Any instance </a:t>
+            </a:r>
+            <a:r>
+              <a:rPr lang="en-US" altLang="zh-TW" dirty="0" smtClean="0">
+                <a:solidFill>
+                  <a:srgbClr val="FF0000"/>
+                </a:solidFill>
+              </a:rPr>
+              <a:t>unavailable / slow</a:t>
+            </a:r>
+            <a:r>
+              <a:rPr lang="en-US" altLang="zh-TW" dirty="0" smtClean="0"/>
+              <a:t> ?  </a:t>
+            </a:r>
+            <a:endParaRPr lang="zh-TW" altLang="en-US" dirty="0" smtClean="0"/>
+          </a:p>
+          <a:p>
+            <a:pPr>
+              <a:buNone/>
+            </a:pPr>
+            <a:endParaRPr lang="en-US" altLang="zh-TW" dirty="0" smtClean="0"/>
+          </a:p>
+        </p:txBody>
+      </p:sp>
+      <p:pic>
+        <p:nvPicPr>
+          <p:cNvPr id="4" name="圖片 3" descr="Richardson-microservices-part4-3_server-side-pattern.png"/>
+          <p:cNvPicPr>
+            <a:picLocks noChangeAspect="1"/>
+          </p:cNvPicPr>
+          <p:nvPr/>
+        </p:nvPicPr>
+        <p:blipFill>
+          <a:blip r:embed="rId2" cstate="print"/>
+          <a:stretch>
+            <a:fillRect/>
+          </a:stretch>
+        </p:blipFill>
+        <p:spPr>
+          <a:xfrm>
+            <a:off x="1547664" y="1124744"/>
+            <a:ext cx="5740560" cy="3537396"/>
+          </a:xfrm>
+          <a:prstGeom prst="rect">
+            <a:avLst/>
+          </a:prstGeom>
+        </p:spPr>
+      </p:pic>
+    </p:spTree>
+  </p:cSld>
+  <p:clrMapOvr>
+    <a:masterClrMapping/>
+  </p:clrMapOvr>
+  <p:timing>
+    <p:tnLst>
+      <p:par>
+        <p:cTn id="1" dur="indefinite" restart="never" nodeType="tmRoot"/>
+      </p:par>
+    </p:tnLst>
+  </p:timing>
+</p:sld>
+</file>
+
+<file path=ppt/slides/slide12.xml><?xml version="1.0" encoding="utf-8"?>
+<p:sld xmlns:a="http://schemas.openxmlformats.org/drawingml/2006/main" xmlns:r="http://schemas.openxmlformats.org/officeDocument/2006/relationships" xmlns:p="http://schemas.openxmlformats.org/presentationml/2006/main">
+  <p:cSld>
+    <p:spTree>
+      <p:nvGrpSpPr>
+        <p:cNvPr id="1" name=""/>
+        <p:cNvGrpSpPr/>
+        <p:nvPr/>
+      </p:nvGrpSpPr>
+      <p:grpSpPr>
+        <a:xfrm>
+          <a:off x="0" y="0"/>
+          <a:ext cx="0" cy="0"/>
+          <a:chOff x="0" y="0"/>
+          <a:chExt cx="0" cy="0"/>
+        </a:xfrm>
+      </p:grpSpPr>
+      <p:sp>
+        <p:nvSpPr>
+          <p:cNvPr id="2" name="標題 1"/>
+          <p:cNvSpPr>
+            <a:spLocks noGrp="1"/>
+          </p:cNvSpPr>
+          <p:nvPr>
+            <p:ph type="title"/>
+          </p:nvPr>
+        </p:nvSpPr>
+        <p:spPr/>
+        <p:txBody>
+          <a:bodyPr>
+            <a:normAutofit/>
+          </a:bodyPr>
+          <a:lstStyle/>
+          <a:p>
+            <a:r>
+              <a:rPr lang="en-US" altLang="zh-TW" dirty="0" smtClean="0"/>
+              <a:t>DIY </a:t>
+            </a:r>
+            <a:r>
+              <a:rPr lang="en-US" altLang="zh-TW" dirty="0" smtClean="0"/>
+              <a:t>5 </a:t>
+            </a:r>
+            <a:r>
+              <a:rPr lang="en-US" altLang="zh-TW" dirty="0" smtClean="0"/>
+              <a:t>– Who is </a:t>
+            </a:r>
+            <a:r>
+              <a:rPr lang="en-US" altLang="zh-TW" dirty="0" smtClean="0"/>
+              <a:t>online/offline</a:t>
+            </a:r>
+            <a:endParaRPr lang="zh-TW" altLang="en-US" dirty="0"/>
+          </a:p>
+        </p:txBody>
+      </p:sp>
+      <p:sp>
+        <p:nvSpPr>
+          <p:cNvPr id="3" name="內容版面配置區 2"/>
+          <p:cNvSpPr>
+            <a:spLocks noGrp="1"/>
+          </p:cNvSpPr>
+          <p:nvPr>
+            <p:ph idx="1"/>
+          </p:nvPr>
+        </p:nvSpPr>
+        <p:spPr>
+          <a:xfrm>
+            <a:off x="467544" y="1844824"/>
+            <a:ext cx="8363272" cy="3240360"/>
+          </a:xfrm>
+        </p:spPr>
+        <p:txBody>
+          <a:bodyPr>
+            <a:normAutofit lnSpcReduction="10000"/>
+          </a:bodyPr>
+          <a:lstStyle/>
+          <a:p>
+            <a:r>
+              <a:rPr lang="en-US" altLang="zh-TW" dirty="0" smtClean="0"/>
+              <a:t>Using </a:t>
+            </a:r>
+            <a:r>
+              <a:rPr lang="en-US" altLang="zh-TW" dirty="0" smtClean="0"/>
+              <a:t>RabbitMQ </a:t>
+            </a:r>
+            <a:r>
+              <a:rPr lang="en-US" altLang="zh-TW" b="1" dirty="0" smtClean="0">
+                <a:solidFill>
+                  <a:srgbClr val="FF0000"/>
+                </a:solidFill>
+              </a:rPr>
+              <a:t>Pub/Sub</a:t>
+            </a:r>
+            <a:r>
+              <a:rPr lang="en-US" altLang="zh-TW" dirty="0" smtClean="0"/>
+              <a:t> </a:t>
+            </a:r>
+            <a:r>
+              <a:rPr lang="en-US" altLang="zh-TW" b="1" dirty="0" smtClean="0">
+                <a:solidFill>
+                  <a:srgbClr val="FF0000"/>
+                </a:solidFill>
+              </a:rPr>
+              <a:t>+ Queue</a:t>
+            </a:r>
+            <a:endParaRPr lang="en-US" altLang="zh-TW" b="1" dirty="0" smtClean="0">
+              <a:solidFill>
+                <a:srgbClr val="FF0000"/>
+              </a:solidFill>
+            </a:endParaRPr>
+          </a:p>
+          <a:p>
+            <a:r>
+              <a:rPr lang="en-US" altLang="zh-TW" dirty="0" smtClean="0">
+                <a:solidFill>
+                  <a:srgbClr val="FF0000"/>
+                </a:solidFill>
+              </a:rPr>
+              <a:t>Without </a:t>
+            </a:r>
+            <a:r>
+              <a:rPr lang="en-US" altLang="zh-TW" dirty="0" err="1" smtClean="0">
+                <a:solidFill>
+                  <a:srgbClr val="FF0000"/>
+                </a:solidFill>
+              </a:rPr>
+              <a:t>setInterval</a:t>
+            </a:r>
+            <a:r>
+              <a:rPr lang="en-US" altLang="zh-TW" dirty="0" smtClean="0"/>
+              <a:t> in code</a:t>
+            </a:r>
+          </a:p>
+          <a:p>
+            <a:r>
+              <a:rPr lang="en-US" altLang="zh-TW" dirty="0" smtClean="0"/>
+              <a:t>Only be triggered when </a:t>
+            </a:r>
+            <a:r>
+              <a:rPr lang="en-US" altLang="zh-TW" dirty="0" smtClean="0">
+                <a:solidFill>
+                  <a:srgbClr val="FF0000"/>
+                </a:solidFill>
+              </a:rPr>
+              <a:t>service </a:t>
+            </a:r>
+            <a:r>
+              <a:rPr lang="en-US" altLang="zh-TW" dirty="0" smtClean="0">
+                <a:solidFill>
+                  <a:srgbClr val="FF0000"/>
+                </a:solidFill>
+              </a:rPr>
+              <a:t>go Up or </a:t>
+            </a:r>
+            <a:r>
+              <a:rPr lang="en-US" altLang="zh-TW" dirty="0" smtClean="0">
+                <a:solidFill>
+                  <a:srgbClr val="FF0000"/>
+                </a:solidFill>
+              </a:rPr>
+              <a:t>Down</a:t>
+            </a:r>
+            <a:endParaRPr lang="en-US" altLang="zh-TW" dirty="0" smtClean="0">
+              <a:solidFill>
+                <a:srgbClr val="FF0000"/>
+              </a:solidFill>
+            </a:endParaRPr>
+          </a:p>
+          <a:p>
+            <a:endParaRPr lang="en-US" altLang="zh-TW" dirty="0" smtClean="0"/>
+          </a:p>
+          <a:p>
+            <a:r>
+              <a:rPr lang="en-US" altLang="zh-TW" dirty="0" smtClean="0">
+                <a:hlinkClick r:id="rId2"/>
+              </a:rPr>
+              <a:t>https://</a:t>
+            </a:r>
+            <a:r>
+              <a:rPr lang="en-US" altLang="zh-TW" dirty="0" smtClean="0">
+                <a:hlinkClick r:id="rId2"/>
+              </a:rPr>
+              <a:t>github.com/jimliu7434/microservice-sample/blob/master/service/example05.js</a:t>
+            </a:r>
+            <a:endParaRPr lang="en-US" altLang="zh-TW" dirty="0"/>
+          </a:p>
+        </p:txBody>
+      </p:sp>
+    </p:spTree>
+  </p:cSld>
+  <p:clrMapOvr>
+    <a:masterClrMapping/>
+  </p:clrMapOvr>
+</p:sld>
+</file>
+
+<file path=ppt/slides/slide13.xml><?xml version="1.0" encoding="utf-8"?>
+<p:sld xmlns:a="http://schemas.openxmlformats.org/drawingml/2006/main" xmlns:r="http://schemas.openxmlformats.org/officeDocument/2006/relationships" xmlns:p="http://schemas.openxmlformats.org/presentationml/2006/main">
+  <p:cSld>
+    <p:spTree>
+      <p:nvGrpSpPr>
+        <p:cNvPr id="1" name=""/>
+        <p:cNvGrpSpPr/>
+        <p:nvPr/>
+      </p:nvGrpSpPr>
+      <p:grpSpPr>
+        <a:xfrm>
+          <a:off x="0" y="0"/>
+          <a:ext cx="0" cy="0"/>
+          <a:chOff x="0" y="0"/>
+          <a:chExt cx="0" cy="0"/>
+        </a:xfrm>
+      </p:grpSpPr>
+      <p:sp>
+        <p:nvSpPr>
+          <p:cNvPr id="2" name="標題 1"/>
+          <p:cNvSpPr>
+            <a:spLocks noGrp="1"/>
+          </p:cNvSpPr>
+          <p:nvPr>
+            <p:ph type="title"/>
+          </p:nvPr>
+        </p:nvSpPr>
+        <p:spPr/>
+        <p:txBody>
+          <a:bodyPr/>
+          <a:lstStyle/>
+          <a:p>
+            <a:r>
+              <a:rPr lang="en-US" altLang="zh-TW" dirty="0" smtClean="0"/>
+              <a:t>Ref.</a:t>
+            </a:r>
+            <a:endParaRPr lang="zh-TW" altLang="en-US" dirty="0"/>
+          </a:p>
+        </p:txBody>
+      </p:sp>
+      <p:sp>
+        <p:nvSpPr>
+          <p:cNvPr id="3" name="內容版面配置區 2"/>
+          <p:cNvSpPr>
+            <a:spLocks noGrp="1"/>
+          </p:cNvSpPr>
+          <p:nvPr>
+            <p:ph idx="1"/>
+          </p:nvPr>
+        </p:nvSpPr>
+        <p:spPr/>
+        <p:txBody>
+          <a:bodyPr>
+            <a:normAutofit/>
+          </a:bodyPr>
+          <a:lstStyle/>
+          <a:p>
+            <a:r>
+              <a:rPr lang="en-US" altLang="zh-TW" dirty="0" smtClean="0">
+                <a:hlinkClick r:id="rId2"/>
+              </a:rPr>
+              <a:t>https://aws.amazon.com/tw/message-queue/benefits/</a:t>
+            </a:r>
+            <a:endParaRPr lang="en-US" altLang="zh-TW" dirty="0" smtClean="0">
+              <a:hlinkClick r:id="rId3"/>
+            </a:endParaRPr>
+          </a:p>
+          <a:p>
+            <a:r>
+              <a:rPr lang="en-US" altLang="zh-TW" dirty="0" smtClean="0">
+                <a:hlinkClick r:id="rId3"/>
+              </a:rPr>
+              <a:t>https</a:t>
+            </a:r>
+            <a:r>
+              <a:rPr lang="en-US" altLang="zh-TW" dirty="0" smtClean="0">
+                <a:hlinkClick r:id="rId3"/>
+              </a:rPr>
+              <a:t>://</a:t>
+            </a:r>
+            <a:r>
+              <a:rPr lang="en-US" altLang="zh-TW" dirty="0" smtClean="0">
+                <a:hlinkClick r:id="rId3"/>
+              </a:rPr>
+              <a:t>www.rabbitmq.com</a:t>
+            </a:r>
+            <a:endParaRPr lang="en-US" altLang="zh-TW" dirty="0" smtClean="0"/>
+          </a:p>
+          <a:p>
+            <a:r>
+              <a:rPr lang="en-US" altLang="zh-TW" dirty="0" smtClean="0">
+                <a:hlinkClick r:id="rId4"/>
+              </a:rPr>
+              <a:t>https://www.jianshu.com/p/79ca08116d57</a:t>
+            </a:r>
+            <a:endParaRPr lang="en-US" altLang="zh-TW" dirty="0" smtClean="0"/>
+          </a:p>
+          <a:p>
+            <a:r>
+              <a:rPr lang="zh-TW" altLang="en-US" dirty="0" smtClean="0"/>
+              <a:t>我的腦袋</a:t>
+            </a:r>
+            <a:endParaRPr lang="en-US" altLang="zh-TW" dirty="0" smtClean="0"/>
+          </a:p>
+          <a:p>
             <a:endParaRPr lang="zh-TW" altLang="en-US" dirty="0"/>
           </a:p>
         </p:txBody>
@@ -3506,157 +4334,107 @@
         </p:spPr>
         <p:txBody>
           <a:bodyPr>
-            <a:normAutofit fontScale="62500" lnSpcReduction="20000"/>
+            <a:normAutofit/>
           </a:bodyPr>
           <a:lstStyle/>
           <a:p>
             <a:r>
-              <a:rPr lang="en-US" altLang="zh-TW" dirty="0" smtClean="0"/>
-              <a:t>Microservice &amp; Cloud Services Platform</a:t>
+              <a:rPr lang="en-US" altLang="zh-TW" dirty="0" smtClean="0">
+                <a:hlinkClick r:id="rId2" action="ppaction://hlinksldjump"/>
+              </a:rPr>
+              <a:t>Message Queue</a:t>
+            </a:r>
+          </a:p>
+          <a:p>
+            <a:r>
+              <a:rPr lang="en-US" altLang="zh-TW" dirty="0" smtClean="0">
+                <a:hlinkClick r:id="rId2" action="ppaction://hlinksldjump"/>
+              </a:rPr>
+              <a:t>RabbitMQ</a:t>
+            </a:r>
+            <a:endParaRPr lang="en-US" altLang="zh-TW" dirty="0" smtClean="0">
+              <a:hlinkClick r:id="rId2" action="ppaction://hlinksldjump"/>
+            </a:endParaRPr>
+          </a:p>
+          <a:p>
+            <a:r>
+              <a:rPr lang="en-US" altLang="zh-TW" dirty="0" smtClean="0"/>
+              <a:t>Message Dispatching</a:t>
+            </a:r>
+          </a:p>
+          <a:p>
+            <a:pPr lvl="1"/>
+            <a:r>
+              <a:rPr lang="en-US" altLang="zh-TW" dirty="0" smtClean="0"/>
+              <a:t>DIY 3 - </a:t>
+            </a:r>
+            <a:r>
+              <a:rPr lang="en-US" altLang="zh-TW" dirty="0" smtClean="0"/>
+              <a:t>Who is a </a:t>
+            </a:r>
+            <a:r>
+              <a:rPr lang="en-US" altLang="zh-TW" dirty="0" smtClean="0"/>
+              <a:t>volunteer?</a:t>
+            </a:r>
+          </a:p>
+          <a:p>
+            <a:pPr lvl="1"/>
+            <a:r>
+              <a:rPr lang="en-US" altLang="zh-TW" dirty="0" smtClean="0"/>
+              <a:t>DIY 4 – Logging Service</a:t>
+            </a:r>
+          </a:p>
+          <a:p>
+            <a:r>
+              <a:rPr lang="en-US" altLang="zh-TW" dirty="0" smtClean="0">
+                <a:hlinkClick r:id="rId3" action="ppaction://hlinksldjump"/>
+              </a:rPr>
+              <a:t>Service </a:t>
+            </a:r>
+            <a:r>
+              <a:rPr lang="en-US" altLang="zh-TW" dirty="0" smtClean="0">
+                <a:hlinkClick r:id="rId3" action="ppaction://hlinksldjump"/>
+              </a:rPr>
+              <a:t>Discovery</a:t>
             </a:r>
             <a:endParaRPr lang="en-US" altLang="zh-TW" dirty="0" smtClean="0"/>
           </a:p>
           <a:p>
-            <a:r>
-              <a:rPr lang="en-US" altLang="zh-TW" dirty="0" smtClean="0"/>
-              <a:t>Cloud Platforms</a:t>
-            </a:r>
-          </a:p>
-          <a:p>
             <a:pPr lvl="1"/>
             <a:r>
-              <a:rPr lang="en-US" altLang="zh-TW" dirty="0" smtClean="0"/>
-              <a:t>AWS (Amazon)</a:t>
-            </a:r>
-          </a:p>
-          <a:p>
-            <a:pPr lvl="1"/>
-            <a:r>
-              <a:rPr lang="en-US" altLang="zh-TW" dirty="0" smtClean="0"/>
-              <a:t>GCP (Google)</a:t>
-            </a:r>
-          </a:p>
-          <a:p>
-            <a:pPr lvl="1"/>
-            <a:r>
-              <a:rPr lang="en-US" altLang="zh-TW" dirty="0" smtClean="0"/>
-              <a:t>Azure (Microsoft)</a:t>
+              <a:rPr lang="en-US" altLang="zh-TW" dirty="0" smtClean="0">
+                <a:hlinkClick r:id="" action="ppaction://noaction"/>
+              </a:rPr>
+              <a:t>DIY </a:t>
+            </a:r>
+            <a:r>
+              <a:rPr lang="en-US" altLang="zh-TW" dirty="0" smtClean="0">
+                <a:hlinkClick r:id="" action="ppaction://noaction"/>
+              </a:rPr>
+              <a:t>5 </a:t>
+            </a:r>
+            <a:r>
+              <a:rPr lang="en-US" altLang="zh-TW" dirty="0" smtClean="0">
+                <a:hlinkClick r:id="" action="ppaction://noaction"/>
+              </a:rPr>
+              <a:t>- Who is </a:t>
+            </a:r>
+            <a:r>
+              <a:rPr lang="en-US" altLang="zh-TW" dirty="0" smtClean="0">
+                <a:hlinkClick r:id="" action="ppaction://noaction"/>
+              </a:rPr>
+              <a:t>online/offline</a:t>
             </a:r>
             <a:endParaRPr lang="en-US" altLang="zh-TW" dirty="0" smtClean="0"/>
           </a:p>
           <a:p>
             <a:r>
-              <a:rPr lang="en-US" altLang="zh-TW" dirty="0" smtClean="0"/>
-              <a:t>AWS</a:t>
-            </a:r>
-          </a:p>
-          <a:p>
-            <a:pPr lvl="1"/>
-            <a:r>
-              <a:rPr lang="en-US" altLang="zh-TW" dirty="0" smtClean="0"/>
-              <a:t>ELB – Load Balancer</a:t>
-            </a:r>
-          </a:p>
-          <a:p>
-            <a:pPr lvl="1"/>
-            <a:r>
-              <a:rPr lang="en-US" altLang="zh-TW" dirty="0" smtClean="0"/>
-              <a:t>API Gateway</a:t>
-            </a:r>
-          </a:p>
-          <a:p>
-            <a:pPr lvl="1"/>
-            <a:r>
-              <a:rPr lang="en-US" altLang="zh-TW" dirty="0" smtClean="0"/>
-              <a:t>EC2 – VM </a:t>
-            </a:r>
-            <a:r>
-              <a:rPr lang="en-US" altLang="zh-TW" dirty="0" smtClean="0"/>
-              <a:t>instance</a:t>
-            </a:r>
-          </a:p>
-          <a:p>
-            <a:pPr lvl="1"/>
-            <a:r>
-              <a:rPr lang="en-US" altLang="zh-TW" dirty="0" smtClean="0"/>
-              <a:t>Lambda – </a:t>
-            </a:r>
-            <a:r>
-              <a:rPr lang="en-US" altLang="zh-TW" dirty="0" err="1" smtClean="0"/>
-              <a:t>Serverless</a:t>
-            </a:r>
-            <a:endParaRPr lang="en-US" altLang="zh-TW" dirty="0" smtClean="0"/>
-          </a:p>
-          <a:p>
-            <a:pPr lvl="1"/>
-            <a:r>
-              <a:rPr lang="en-US" altLang="zh-TW" dirty="0" smtClean="0"/>
-              <a:t>ECS – Container Service</a:t>
-            </a:r>
-          </a:p>
-          <a:p>
-            <a:pPr lvl="1"/>
-            <a:r>
-              <a:rPr lang="en-US" altLang="zh-TW" dirty="0" smtClean="0"/>
-              <a:t>EKS – Kubernetes Service</a:t>
-            </a:r>
-          </a:p>
-          <a:p>
-            <a:pPr lvl="1"/>
-            <a:r>
-              <a:rPr lang="en-US" altLang="zh-TW" dirty="0" smtClean="0"/>
-              <a:t>SQS – Message Queue</a:t>
-            </a:r>
-          </a:p>
-          <a:p>
-            <a:pPr lvl="1"/>
-            <a:r>
-              <a:rPr lang="en-US" altLang="zh-TW" dirty="0" smtClean="0"/>
-              <a:t>RDS – Relational DB</a:t>
-            </a:r>
-          </a:p>
-          <a:p>
-            <a:pPr lvl="1"/>
-            <a:r>
-              <a:rPr lang="en-US" altLang="zh-TW" dirty="0" err="1" smtClean="0"/>
-              <a:t>DocumentDB</a:t>
-            </a:r>
-            <a:r>
-              <a:rPr lang="en-US" altLang="zh-TW" dirty="0" smtClean="0"/>
-              <a:t> – MongoDB</a:t>
-            </a:r>
-          </a:p>
-          <a:p>
-            <a:pPr lvl="1"/>
-            <a:r>
-              <a:rPr lang="en-US" altLang="zh-TW" dirty="0" err="1" smtClean="0"/>
-              <a:t>DynamoDB</a:t>
-            </a:r>
-            <a:r>
-              <a:rPr lang="en-US" altLang="zh-TW" dirty="0" smtClean="0"/>
-              <a:t> – NoSQL DB</a:t>
-            </a:r>
-          </a:p>
-          <a:p>
-            <a:pPr lvl="1"/>
-            <a:r>
-              <a:rPr lang="en-US" altLang="zh-TW" dirty="0" err="1" smtClean="0"/>
-              <a:t>Timestream</a:t>
-            </a:r>
-            <a:r>
-              <a:rPr lang="en-US" altLang="zh-TW" dirty="0" smtClean="0"/>
-              <a:t> – Timeline DB</a:t>
-            </a:r>
-          </a:p>
-          <a:p>
-            <a:pPr lvl="1"/>
-            <a:r>
-              <a:rPr lang="en-US" altLang="zh-TW" dirty="0" smtClean="0"/>
-              <a:t>S3 - Storage</a:t>
-            </a:r>
-          </a:p>
-          <a:p>
-            <a:endParaRPr lang="en-US" altLang="zh-TW" dirty="0" smtClean="0"/>
+              <a:rPr lang="en-US" altLang="zh-TW" dirty="0" smtClean="0">
+                <a:hlinkClick r:id="rId4" action="ppaction://hlinksldjump"/>
+              </a:rPr>
+              <a:t>Reference</a:t>
+            </a:r>
+            <a:endParaRPr lang="zh-TW" altLang="en-US" dirty="0"/>
           </a:p>
         </p:txBody>
       </p:sp>
@@ -3739,7 +4517,7 @@
           <a:p>
             <a:r>
               <a:rPr lang="en-US" altLang="zh-TW" dirty="0" smtClean="0"/>
-              <a:t>Ref.</a:t>
+              <a:t>Message Queue</a:t>
             </a:r>
             <a:endParaRPr lang="zh-TW" altLang="en-US" dirty="0"/>
           </a:p>
@@ -3753,6 +4531,102 @@
           </p:cNvSpPr>
           <p:nvPr>
             <p:ph idx="1"/>
+          </p:nvPr>
+        </p:nvSpPr>
+        <p:spPr/>
+        <p:txBody>
+          <a:bodyPr/>
+          <a:lstStyle/>
+          <a:p>
+            <a:r>
+              <a:rPr lang="en-US" altLang="zh-TW" dirty="0" smtClean="0"/>
+              <a:t>Message queues allow </a:t>
+            </a:r>
+            <a:r>
+              <a:rPr lang="en-US" altLang="zh-TW" dirty="0" smtClean="0">
+                <a:solidFill>
+                  <a:srgbClr val="FF0000"/>
+                </a:solidFill>
+              </a:rPr>
+              <a:t>different parts</a:t>
+            </a:r>
+            <a:r>
+              <a:rPr lang="en-US" altLang="zh-TW" dirty="0" smtClean="0"/>
+              <a:t> of a system to communicate and process operations </a:t>
+            </a:r>
+            <a:r>
+              <a:rPr lang="en-US" altLang="zh-TW" dirty="0" smtClean="0">
+                <a:solidFill>
+                  <a:srgbClr val="FF0000"/>
+                </a:solidFill>
+              </a:rPr>
+              <a:t>asynchronously</a:t>
+            </a:r>
+            <a:r>
+              <a:rPr lang="en-US" altLang="zh-TW" dirty="0" smtClean="0"/>
+              <a:t>.</a:t>
+            </a:r>
+            <a:endParaRPr lang="zh-TW" altLang="en-US" dirty="0"/>
+          </a:p>
+        </p:txBody>
+      </p:sp>
+      <p:pic>
+        <p:nvPicPr>
+          <p:cNvPr id="4" name="圖片 3" descr="sqs_seo_queue.1dc710b63346bef869ee34b8a9a76abc014fbfc9.png"/>
+          <p:cNvPicPr>
+            <a:picLocks noChangeAspect="1"/>
+          </p:cNvPicPr>
+          <p:nvPr/>
+        </p:nvPicPr>
+        <p:blipFill>
+          <a:blip r:embed="rId3" cstate="print"/>
+          <a:stretch>
+            <a:fillRect/>
+          </a:stretch>
+        </p:blipFill>
+        <p:spPr>
+          <a:xfrm>
+            <a:off x="683568" y="4149080"/>
+            <a:ext cx="7960684" cy="1584176"/>
+          </a:xfrm>
+          <a:prstGeom prst="rect">
+            <a:avLst/>
+          </a:prstGeom>
+        </p:spPr>
+      </p:pic>
+    </p:spTree>
+  </p:cSld>
+  <p:clrMapOvr>
+    <a:masterClrMapping/>
+  </p:clrMapOvr>
+</p:sld>
+</file>
+
+<file path=ppt/slides/slide4.xml><?xml version="1.0" encoding="utf-8"?>
+<p:sld xmlns:a="http://schemas.openxmlformats.org/drawingml/2006/main" xmlns:r="http://schemas.openxmlformats.org/officeDocument/2006/relationships" xmlns:p="http://schemas.openxmlformats.org/presentationml/2006/main">
+  <p:cSld>
+    <p:spTree>
+      <p:nvGrpSpPr>
+        <p:cNvPr id="1" name=""/>
+        <p:cNvGrpSpPr/>
+        <p:nvPr/>
+      </p:nvGrpSpPr>
+      <p:grpSpPr>
+        <a:xfrm>
+          <a:off x="0" y="0"/>
+          <a:ext cx="0" cy="0"/>
+          <a:chOff x="0" y="0"/>
+          <a:chExt cx="0" cy="0"/>
+        </a:xfrm>
+      </p:grpSpPr>
+      <p:sp>
+        <p:nvSpPr>
+          <p:cNvPr id="2" name="標題 1"/>
+          <p:cNvSpPr>
+            <a:spLocks noGrp="1"/>
+          </p:cNvSpPr>
+          <p:nvPr>
+            <p:ph type="title"/>
           </p:nvPr>
         </p:nvSpPr>
         <p:spPr/>
@@ -3763,24 +4637,1185 @@
           <a:lstStyle/>
           <a:p>
             <a:r>
+              <a:rPr lang="en-US" altLang="zh-TW" dirty="0" smtClean="0"/>
+              <a:t>Why using Message Queue</a:t>
+            </a:r>
+            <a:endParaRPr lang="zh-TW" altLang="en-US" dirty="0"/>
+          </a:p>
+        </p:txBody>
+      </p:sp>
+      <p:sp>
+        <p:nvSpPr>
+          <p:cNvPr id="3" name="內容版面配置區 2"/>
+          <p:cNvSpPr>
+            <a:spLocks noGrp="1"/>
+          </p:cNvSpPr>
+          <p:nvPr>
+            <p:ph idx="1"/>
+          </p:nvPr>
+        </p:nvSpPr>
+        <p:spPr>
+          <a:xfrm>
+            <a:off x="467544" y="1988840"/>
+            <a:ext cx="8147248" cy="4320480"/>
+          </a:xfrm>
+        </p:spPr>
+        <p:txBody>
+          <a:bodyPr>
+            <a:normAutofit/>
+          </a:bodyPr>
+          <a:lstStyle/>
+          <a:p>
+            <a:r>
+              <a:rPr lang="en-US" altLang="zh-TW" dirty="0" smtClean="0"/>
+              <a:t>Better </a:t>
+            </a:r>
+            <a:r>
+              <a:rPr lang="en-US" altLang="zh-TW" dirty="0" smtClean="0"/>
+              <a:t>Performance </a:t>
+            </a:r>
+            <a:r>
+              <a:rPr lang="zh-TW" altLang="en-US" dirty="0" smtClean="0"/>
+              <a:t>更</a:t>
+            </a:r>
+            <a:r>
+              <a:rPr lang="zh-TW" altLang="en-US" dirty="0" smtClean="0"/>
+              <a:t>佳的</a:t>
+            </a:r>
+            <a:r>
+              <a:rPr lang="zh-TW" altLang="en-US" dirty="0" smtClean="0"/>
+              <a:t>效能</a:t>
+            </a:r>
+            <a:endParaRPr lang="en-US" altLang="zh-TW" dirty="0" smtClean="0"/>
+          </a:p>
+          <a:p>
+            <a:pPr>
+              <a:buNone/>
+            </a:pPr>
+            <a:endParaRPr lang="zh-TW" altLang="en-US" dirty="0" smtClean="0"/>
+          </a:p>
+          <a:p>
+            <a:r>
+              <a:rPr lang="en-US" altLang="zh-TW" dirty="0" smtClean="0"/>
+              <a:t>Increased </a:t>
+            </a:r>
+            <a:r>
+              <a:rPr lang="en-US" altLang="zh-TW" dirty="0" smtClean="0"/>
+              <a:t>Reliability </a:t>
+            </a:r>
+            <a:r>
+              <a:rPr lang="zh-TW" altLang="en-US" dirty="0" smtClean="0"/>
+              <a:t>提升可靠性</a:t>
+            </a:r>
+            <a:endParaRPr lang="en-US" altLang="zh-TW" dirty="0" smtClean="0"/>
+          </a:p>
+          <a:p>
+            <a:endParaRPr lang="zh-TW" altLang="en-US" dirty="0" smtClean="0"/>
+          </a:p>
+          <a:p>
+            <a:r>
+              <a:rPr lang="en-US" altLang="zh-TW" dirty="0" smtClean="0"/>
+              <a:t>Granular </a:t>
+            </a:r>
+            <a:r>
+              <a:rPr lang="en-US" altLang="zh-TW" dirty="0" smtClean="0"/>
+              <a:t>Scalability </a:t>
+            </a:r>
+            <a:r>
+              <a:rPr lang="zh-TW" altLang="en-US" dirty="0" smtClean="0"/>
+              <a:t>精細可擴展性</a:t>
+            </a:r>
+            <a:endParaRPr lang="en-US" altLang="zh-TW" dirty="0" smtClean="0"/>
+          </a:p>
+          <a:p>
+            <a:endParaRPr lang="zh-TW" altLang="en-US" dirty="0" smtClean="0"/>
+          </a:p>
+          <a:p>
+            <a:r>
+              <a:rPr lang="en-US" altLang="zh-TW" dirty="0" smtClean="0"/>
+              <a:t>Simplified Decoupling </a:t>
+            </a:r>
+            <a:r>
+              <a:rPr lang="zh-TW" altLang="en-US" dirty="0" smtClean="0"/>
+              <a:t>簡化</a:t>
+            </a:r>
+            <a:r>
+              <a:rPr lang="zh-TW" altLang="en-US" dirty="0" smtClean="0"/>
+              <a:t>去耦</a:t>
+            </a:r>
+          </a:p>
+          <a:p>
+            <a:endParaRPr lang="en-US" altLang="zh-TW" dirty="0" smtClean="0"/>
+          </a:p>
+        </p:txBody>
+      </p:sp>
+      <p:pic>
+        <p:nvPicPr>
+          <p:cNvPr id="5" name="圖片 4" descr="sqs_img_performance.a8b574bf7c837e7d24e0afd4afaa7a07c5bf10af.png"/>
+          <p:cNvPicPr>
+            <a:picLocks noChangeAspect="1"/>
+          </p:cNvPicPr>
+          <p:nvPr/>
+        </p:nvPicPr>
+        <p:blipFill>
+          <a:blip r:embed="rId2" cstate="print"/>
+          <a:stretch>
+            <a:fillRect/>
+          </a:stretch>
+        </p:blipFill>
+        <p:spPr>
+          <a:xfrm>
+            <a:off x="6374461" y="1772816"/>
+            <a:ext cx="2769539" cy="1080120"/>
+          </a:xfrm>
+          <a:prstGeom prst="rect">
+            <a:avLst/>
+          </a:prstGeom>
+        </p:spPr>
+      </p:pic>
+      <p:pic>
+        <p:nvPicPr>
+          <p:cNvPr id="7" name="圖片 6" descr="sqs_seo_reliability.1daa7ac62964a29c2b2b1de70db211558efa8e1b.png"/>
+          <p:cNvPicPr>
+            <a:picLocks noChangeAspect="1"/>
+          </p:cNvPicPr>
+          <p:nvPr/>
+        </p:nvPicPr>
+        <p:blipFill>
+          <a:blip r:embed="rId3" cstate="print"/>
+          <a:stretch>
+            <a:fillRect/>
+          </a:stretch>
+        </p:blipFill>
+        <p:spPr>
+          <a:xfrm>
+            <a:off x="6444208" y="2852936"/>
+            <a:ext cx="2448272" cy="1224136"/>
+          </a:xfrm>
+          <a:prstGeom prst="rect">
+            <a:avLst/>
+          </a:prstGeom>
+        </p:spPr>
+      </p:pic>
+      <p:pic>
+        <p:nvPicPr>
+          <p:cNvPr id="8" name="圖片 7" descr="sqs_seo_scalability.4eb27f8afae553892729a831d85e62be44f185cf.png"/>
+          <p:cNvPicPr>
+            <a:picLocks noChangeAspect="1"/>
+          </p:cNvPicPr>
+          <p:nvPr/>
+        </p:nvPicPr>
+        <p:blipFill>
+          <a:blip r:embed="rId4" cstate="print"/>
+          <a:stretch>
+            <a:fillRect/>
+          </a:stretch>
+        </p:blipFill>
+        <p:spPr>
+          <a:xfrm>
+            <a:off x="6588224" y="4149080"/>
+            <a:ext cx="2252546" cy="1126273"/>
+          </a:xfrm>
+          <a:prstGeom prst="rect">
+            <a:avLst/>
+          </a:prstGeom>
+        </p:spPr>
+      </p:pic>
+      <p:pic>
+        <p:nvPicPr>
+          <p:cNvPr id="9" name="圖片 8" descr="sqs_seo_decouplling.345d6577262e33511c981d75a5f38b77b8a923b4.png"/>
+          <p:cNvPicPr>
+            <a:picLocks noChangeAspect="1"/>
+          </p:cNvPicPr>
+          <p:nvPr/>
+        </p:nvPicPr>
+        <p:blipFill>
+          <a:blip r:embed="rId5" cstate="print"/>
+          <a:stretch>
+            <a:fillRect/>
+          </a:stretch>
+        </p:blipFill>
+        <p:spPr>
+          <a:xfrm>
+            <a:off x="6243381" y="5085184"/>
+            <a:ext cx="2900619" cy="1450310"/>
+          </a:xfrm>
+          <a:prstGeom prst="rect">
+            <a:avLst/>
+          </a:prstGeom>
+        </p:spPr>
+      </p:pic>
+    </p:spTree>
+  </p:cSld>
+  <p:clrMapOvr>
+    <a:masterClrMapping/>
+  </p:clrMapOvr>
+  <p:timing>
+    <p:tnLst>
+      <p:par>
+        <p:cTn id="1" dur="indefinite" restart="never" nodeType="tmRoot"/>
+      </p:par>
+    </p:tnLst>
+  </p:timing>
+</p:sld>
+</file>
+
+<file path=ppt/slides/slide5.xml><?xml version="1.0" encoding="utf-8"?>
+<p:sld xmlns:a="http://schemas.openxmlformats.org/drawingml/2006/main" xmlns:r="http://schemas.openxmlformats.org/officeDocument/2006/relationships" xmlns:p="http://schemas.openxmlformats.org/presentationml/2006/main">
+  <p:cSld>
+    <p:spTree>
+      <p:nvGrpSpPr>
+        <p:cNvPr id="1" name=""/>
+        <p:cNvGrpSpPr/>
+        <p:nvPr/>
+      </p:nvGrpSpPr>
+      <p:grpSpPr>
+        <a:xfrm>
+          <a:off x="0" y="0"/>
+          <a:ext cx="0" cy="0"/>
+          <a:chOff x="0" y="0"/>
+          <a:chExt cx="0" cy="0"/>
+        </a:xfrm>
+      </p:grpSpPr>
+      <p:sp>
+        <p:nvSpPr>
+          <p:cNvPr id="3" name="內容版面配置區 2"/>
+          <p:cNvSpPr>
+            <a:spLocks noGrp="1"/>
+          </p:cNvSpPr>
+          <p:nvPr>
+            <p:ph idx="1"/>
+          </p:nvPr>
+        </p:nvSpPr>
+        <p:spPr>
+          <a:xfrm>
+            <a:off x="539552" y="1916832"/>
+            <a:ext cx="8363272" cy="3960440"/>
+          </a:xfrm>
+        </p:spPr>
+        <p:txBody>
+          <a:bodyPr>
+            <a:normAutofit fontScale="85000" lnSpcReduction="20000"/>
+          </a:bodyPr>
+          <a:lstStyle/>
+          <a:p>
+            <a:r>
+              <a:rPr lang="en-US" altLang="zh-TW" dirty="0" smtClean="0"/>
+              <a:t>AMQP(Advanced Message Queuing </a:t>
+            </a:r>
+            <a:r>
+              <a:rPr lang="en-US" altLang="zh-TW" dirty="0" smtClean="0"/>
+              <a:t>Protocol)</a:t>
+            </a:r>
+          </a:p>
+          <a:p>
+            <a:r>
+              <a:rPr lang="en-US" altLang="zh-TW" dirty="0" smtClean="0"/>
+              <a:t>By </a:t>
+            </a:r>
+            <a:r>
+              <a:rPr lang="en-US" altLang="zh-TW" dirty="0" err="1" smtClean="0"/>
+              <a:t>Erlang</a:t>
+            </a:r>
+            <a:endParaRPr lang="en-US" altLang="zh-TW" dirty="0" smtClean="0"/>
+          </a:p>
+          <a:p>
+            <a:r>
+              <a:rPr lang="en-US" altLang="zh-TW" dirty="0" smtClean="0"/>
+              <a:t>Advantages:</a:t>
+            </a:r>
+          </a:p>
+          <a:p>
+            <a:pPr lvl="1"/>
+            <a:r>
+              <a:rPr lang="en-US" altLang="zh-TW" dirty="0" smtClean="0">
+                <a:solidFill>
+                  <a:srgbClr val="FF0000"/>
+                </a:solidFill>
+              </a:rPr>
+              <a:t>Reliability</a:t>
+            </a:r>
+          </a:p>
+          <a:p>
+            <a:pPr lvl="1"/>
+            <a:r>
+              <a:rPr lang="en-US" altLang="zh-TW" dirty="0" smtClean="0"/>
+              <a:t>Flexible Routing</a:t>
+            </a:r>
+            <a:r>
+              <a:rPr lang="zh-TW" altLang="en-US" dirty="0" smtClean="0"/>
+              <a:t> </a:t>
+            </a:r>
+            <a:endParaRPr lang="en-US" altLang="zh-TW" dirty="0" smtClean="0"/>
+          </a:p>
+          <a:p>
+            <a:pPr lvl="1"/>
+            <a:r>
+              <a:rPr lang="en-US" altLang="zh-TW" dirty="0" smtClean="0"/>
+              <a:t>Clustering</a:t>
+            </a:r>
+          </a:p>
+          <a:p>
+            <a:pPr lvl="1"/>
+            <a:r>
+              <a:rPr lang="en-US" altLang="zh-TW" dirty="0" smtClean="0"/>
+              <a:t>Highly Available</a:t>
+            </a:r>
+          </a:p>
+          <a:p>
+            <a:pPr lvl="1"/>
+            <a:r>
+              <a:rPr lang="fr-FR" altLang="zh-TW" dirty="0" smtClean="0">
+                <a:solidFill>
+                  <a:srgbClr val="FF0000"/>
+                </a:solidFill>
+              </a:rPr>
+              <a:t>Management UI</a:t>
+            </a:r>
+          </a:p>
+          <a:p>
+            <a:pPr lvl="1"/>
+            <a:r>
+              <a:rPr lang="en-US" altLang="zh-TW" dirty="0" smtClean="0">
+                <a:solidFill>
+                  <a:srgbClr val="FF0000"/>
+                </a:solidFill>
+              </a:rPr>
+              <a:t>Many Clients Support</a:t>
+            </a:r>
+          </a:p>
+          <a:p>
+            <a:pPr lvl="1"/>
+            <a:r>
+              <a:rPr lang="en-US" altLang="zh-TW" dirty="0" smtClean="0"/>
+              <a:t>Tracing</a:t>
+            </a:r>
+            <a:endParaRPr lang="zh-TW" altLang="en-US" dirty="0"/>
+          </a:p>
+        </p:txBody>
+      </p:sp>
+      <p:pic>
+        <p:nvPicPr>
+          <p:cNvPr id="5" name="圖片 4" descr="1*UnYL-2r54_7AnEwQv0cVxA.png"/>
+          <p:cNvPicPr>
+            <a:picLocks noChangeAspect="1"/>
+          </p:cNvPicPr>
+          <p:nvPr/>
+        </p:nvPicPr>
+        <p:blipFill>
+          <a:blip r:embed="rId2" cstate="print"/>
+          <a:stretch>
+            <a:fillRect/>
+          </a:stretch>
+        </p:blipFill>
+        <p:spPr>
+          <a:xfrm>
+            <a:off x="1979712" y="-171400"/>
+            <a:ext cx="5533758" cy="2060848"/>
+          </a:xfrm>
+          <a:prstGeom prst="rect">
+            <a:avLst/>
+          </a:prstGeom>
+        </p:spPr>
+      </p:pic>
+    </p:spTree>
+  </p:cSld>
+  <p:clrMapOvr>
+    <a:masterClrMapping/>
+  </p:clrMapOvr>
+  <p:timing>
+    <p:tnLst>
+      <p:par>
+        <p:cTn id="1" dur="indefinite" restart="never" nodeType="tmRoot"/>
+      </p:par>
+    </p:tnLst>
+  </p:timing>
+</p:sld>
+</file>
+
+<file path=ppt/slides/slide6.xml><?xml version="1.0" encoding="utf-8"?>
+<p:sld xmlns:a="http://schemas.openxmlformats.org/drawingml/2006/main" xmlns:r="http://schemas.openxmlformats.org/officeDocument/2006/relationships" xmlns:p="http://schemas.openxmlformats.org/presentationml/2006/main">
+  <p:cSld>
+    <p:spTree>
+      <p:nvGrpSpPr>
+        <p:cNvPr id="1" name=""/>
+        <p:cNvGrpSpPr/>
+        <p:nvPr/>
+      </p:nvGrpSpPr>
+      <p:grpSpPr>
+        <a:xfrm>
+          <a:off x="0" y="0"/>
+          <a:ext cx="0" cy="0"/>
+          <a:chOff x="0" y="0"/>
+          <a:chExt cx="0" cy="0"/>
+        </a:xfrm>
+      </p:grpSpPr>
+      <p:sp>
+        <p:nvSpPr>
+          <p:cNvPr id="2" name="標題 1"/>
+          <p:cNvSpPr>
+            <a:spLocks noGrp="1"/>
+          </p:cNvSpPr>
+          <p:nvPr>
+            <p:ph type="title"/>
+          </p:nvPr>
+        </p:nvSpPr>
+        <p:spPr/>
+        <p:txBody>
+          <a:bodyPr/>
+          <a:lstStyle/>
+          <a:p>
+            <a:r>
+              <a:rPr lang="en-US" altLang="zh-TW" dirty="0" smtClean="0"/>
+              <a:t>RabbitMQ</a:t>
+            </a:r>
+            <a:endParaRPr lang="zh-TW" altLang="en-US" dirty="0"/>
+          </a:p>
+        </p:txBody>
+      </p:sp>
+      <p:sp>
+        <p:nvSpPr>
+          <p:cNvPr id="3" name="內容版面配置區 2"/>
+          <p:cNvSpPr>
+            <a:spLocks noGrp="1"/>
+          </p:cNvSpPr>
+          <p:nvPr>
+            <p:ph idx="1"/>
+          </p:nvPr>
+        </p:nvSpPr>
+        <p:spPr>
+          <a:xfrm>
+            <a:off x="395536" y="2276872"/>
+            <a:ext cx="8363272" cy="1324744"/>
+          </a:xfrm>
+        </p:spPr>
+        <p:txBody>
+          <a:bodyPr/>
+          <a:lstStyle/>
+          <a:p>
+            <a:r>
+              <a:rPr lang="en-US" altLang="zh-TW" dirty="0" smtClean="0">
+                <a:solidFill>
+                  <a:srgbClr val="FF0000"/>
+                </a:solidFill>
+              </a:rPr>
+              <a:t>Work Queues</a:t>
+            </a:r>
+          </a:p>
+          <a:p>
+            <a:endParaRPr lang="zh-TW" altLang="en-US" dirty="0"/>
+          </a:p>
+        </p:txBody>
+      </p:sp>
+      <p:sp>
+        <p:nvSpPr>
+          <p:cNvPr id="4" name="內容版面配置區 2"/>
+          <p:cNvSpPr txBox="1">
+            <a:spLocks/>
+          </p:cNvSpPr>
+          <p:nvPr/>
+        </p:nvSpPr>
+        <p:spPr>
+          <a:xfrm>
+            <a:off x="395536" y="4077072"/>
+            <a:ext cx="8363272" cy="1324744"/>
+          </a:xfrm>
+          <a:prstGeom prst="rect">
+            <a:avLst/>
+          </a:prstGeom>
+        </p:spPr>
+        <p:txBody>
+          <a:bodyPr vert="horz" lIns="91440" tIns="45720" rIns="91440" bIns="45720" rtlCol="0">
+            <a:normAutofit/>
+          </a:bodyPr>
+          <a:lstStyle/>
+          <a:p>
+            <a:pPr marL="342900" marR="0" lvl="0" indent="-342900" algn="l" defTabSz="914400" rtl="0" eaLnBrk="1" fontAlgn="auto" latinLnBrk="0" hangingPunct="1">
+              <a:lnSpc>
+                <a:spcPct val="100000"/>
+              </a:lnSpc>
+              <a:spcBef>
+                <a:spcPct val="20000"/>
+              </a:spcBef>
+              <a:spcAft>
+                <a:spcPts val="0"/>
+              </a:spcAft>
+              <a:buClrTx/>
+              <a:buSzTx/>
+              <a:buFont typeface="Arial" pitchFamily="34" charset="0"/>
+              <a:buChar char="•"/>
+              <a:tabLst/>
+              <a:defRPr/>
+            </a:pPr>
+            <a:r>
+              <a:rPr kumimoji="0" lang="en-US" altLang="zh-TW" sz="3200" b="0" i="0" u="none" strike="noStrike" kern="1200" cap="none" spc="0" normalizeH="0" baseline="0" noProof="0" dirty="0" smtClean="0">
+                <a:ln>
+                  <a:noFill/>
+                </a:ln>
+                <a:solidFill>
+                  <a:srgbClr val="FF0000"/>
+                </a:solidFill>
+                <a:effectLst/>
+                <a:uLnTx/>
+                <a:uFillTx/>
+                <a:latin typeface="+mn-lt"/>
+                <a:ea typeface="+mn-ea"/>
+                <a:cs typeface="+mn-cs"/>
+              </a:rPr>
+              <a:t>Publish / Subscribe</a:t>
+            </a:r>
+            <a:endParaRPr kumimoji="0" lang="zh-TW" altLang="en-US" sz="3200" b="0" i="0" u="none" strike="noStrike" kern="1200" cap="none" spc="0" normalizeH="0" baseline="0" noProof="0" dirty="0">
+              <a:ln>
+                <a:noFill/>
+              </a:ln>
+              <a:solidFill>
+                <a:srgbClr val="FF0000"/>
+              </a:solidFill>
+              <a:effectLst/>
+              <a:uLnTx/>
+              <a:uFillTx/>
+              <a:latin typeface="+mn-lt"/>
+              <a:ea typeface="+mn-ea"/>
+              <a:cs typeface="+mn-cs"/>
+            </a:endParaRPr>
+          </a:p>
+        </p:txBody>
+      </p:sp>
+      <p:pic>
+        <p:nvPicPr>
+          <p:cNvPr id="5" name="圖片 4" descr="python-two.png"/>
+          <p:cNvPicPr>
+            <a:picLocks noChangeAspect="1"/>
+          </p:cNvPicPr>
+          <p:nvPr/>
+        </p:nvPicPr>
+        <p:blipFill>
+          <a:blip r:embed="rId2" cstate="print"/>
+          <a:stretch>
+            <a:fillRect/>
+          </a:stretch>
+        </p:blipFill>
+        <p:spPr>
+          <a:xfrm>
+            <a:off x="4499992" y="1988840"/>
+            <a:ext cx="4032448" cy="1348198"/>
+          </a:xfrm>
+          <a:prstGeom prst="rect">
+            <a:avLst/>
+          </a:prstGeom>
+        </p:spPr>
+      </p:pic>
+      <p:pic>
+        <p:nvPicPr>
+          <p:cNvPr id="6" name="圖片 5" descr="exchanges.png"/>
+          <p:cNvPicPr>
+            <a:picLocks noChangeAspect="1"/>
+          </p:cNvPicPr>
+          <p:nvPr/>
+        </p:nvPicPr>
+        <p:blipFill>
+          <a:blip r:embed="rId3" cstate="print"/>
+          <a:stretch>
+            <a:fillRect/>
+          </a:stretch>
+        </p:blipFill>
+        <p:spPr>
+          <a:xfrm>
+            <a:off x="4499992" y="3933056"/>
+            <a:ext cx="4092130" cy="1368152"/>
+          </a:xfrm>
+          <a:prstGeom prst="rect">
+            <a:avLst/>
+          </a:prstGeom>
+        </p:spPr>
+      </p:pic>
+    </p:spTree>
+  </p:cSld>
+  <p:clrMapOvr>
+    <a:masterClrMapping/>
+  </p:clrMapOvr>
+</p:sld>
+</file>
+
+<file path=ppt/slides/slide7.xml><?xml version="1.0" encoding="utf-8"?>
+<p:sld xmlns:a="http://schemas.openxmlformats.org/drawingml/2006/main" xmlns:r="http://schemas.openxmlformats.org/officeDocument/2006/relationships" xmlns:p="http://schemas.openxmlformats.org/presentationml/2006/main">
+  <p:cSld>
+    <p:spTree>
+      <p:nvGrpSpPr>
+        <p:cNvPr id="1" name=""/>
+        <p:cNvGrpSpPr/>
+        <p:nvPr/>
+      </p:nvGrpSpPr>
+      <p:grpSpPr>
+        <a:xfrm>
+          <a:off x="0" y="0"/>
+          <a:ext cx="0" cy="0"/>
+          <a:chOff x="0" y="0"/>
+          <a:chExt cx="0" cy="0"/>
+        </a:xfrm>
+      </p:grpSpPr>
+      <p:sp>
+        <p:nvSpPr>
+          <p:cNvPr id="2" name="標題 1"/>
+          <p:cNvSpPr>
+            <a:spLocks noGrp="1"/>
+          </p:cNvSpPr>
+          <p:nvPr>
+            <p:ph type="title"/>
+          </p:nvPr>
+        </p:nvSpPr>
+        <p:spPr/>
+        <p:txBody>
+          <a:bodyPr/>
+          <a:lstStyle/>
+          <a:p>
+            <a:r>
+              <a:rPr lang="en-US" altLang="zh-TW" dirty="0" smtClean="0"/>
+              <a:t>RabbitMQ</a:t>
+            </a:r>
+            <a:endParaRPr lang="zh-TW" altLang="en-US" dirty="0"/>
+          </a:p>
+        </p:txBody>
+      </p:sp>
+      <p:sp>
+        <p:nvSpPr>
+          <p:cNvPr id="3" name="內容版面配置區 2"/>
+          <p:cNvSpPr>
+            <a:spLocks noGrp="1"/>
+          </p:cNvSpPr>
+          <p:nvPr>
+            <p:ph idx="1"/>
+          </p:nvPr>
+        </p:nvSpPr>
+        <p:spPr>
+          <a:xfrm>
+            <a:off x="395536" y="3356992"/>
+            <a:ext cx="8363272" cy="1324744"/>
+          </a:xfrm>
+        </p:spPr>
+        <p:txBody>
+          <a:bodyPr/>
+          <a:lstStyle/>
+          <a:p>
+            <a:r>
+              <a:rPr lang="en-US" altLang="zh-TW" dirty="0" smtClean="0"/>
+              <a:t>Topics</a:t>
+            </a:r>
+            <a:endParaRPr lang="zh-TW" altLang="en-US" dirty="0"/>
+          </a:p>
+        </p:txBody>
+      </p:sp>
+      <p:sp>
+        <p:nvSpPr>
+          <p:cNvPr id="4" name="內容版面配置區 2"/>
+          <p:cNvSpPr txBox="1">
+            <a:spLocks/>
+          </p:cNvSpPr>
+          <p:nvPr/>
+        </p:nvSpPr>
+        <p:spPr>
+          <a:xfrm>
+            <a:off x="395536" y="5157192"/>
+            <a:ext cx="8363272" cy="1324744"/>
+          </a:xfrm>
+          <a:prstGeom prst="rect">
+            <a:avLst/>
+          </a:prstGeom>
+        </p:spPr>
+        <p:txBody>
+          <a:bodyPr vert="horz" lIns="91440" tIns="45720" rIns="91440" bIns="45720" rtlCol="0">
+            <a:normAutofit/>
+          </a:bodyPr>
+          <a:lstStyle/>
+          <a:p>
+            <a:pPr marL="342900" marR="0" lvl="0" indent="-342900" algn="l" defTabSz="914400" rtl="0" eaLnBrk="1" fontAlgn="auto" latinLnBrk="0" hangingPunct="1">
+              <a:lnSpc>
+                <a:spcPct val="100000"/>
+              </a:lnSpc>
+              <a:spcBef>
+                <a:spcPct val="20000"/>
+              </a:spcBef>
+              <a:spcAft>
+                <a:spcPts val="0"/>
+              </a:spcAft>
+              <a:buClrTx/>
+              <a:buSzTx/>
+              <a:buFont typeface="Arial" pitchFamily="34" charset="0"/>
+              <a:buChar char="•"/>
+              <a:tabLst/>
+              <a:defRPr/>
+            </a:pPr>
+            <a:r>
+              <a:rPr kumimoji="0" lang="en-US" altLang="zh-TW" sz="3200" b="0" i="0" u="none" strike="noStrike" kern="1200" cap="none" spc="0" normalizeH="0" baseline="0" noProof="0" dirty="0" smtClean="0">
+                <a:ln>
+                  <a:noFill/>
+                </a:ln>
+                <a:solidFill>
+                  <a:schemeClr val="tx1"/>
+                </a:solidFill>
+                <a:effectLst/>
+                <a:uLnTx/>
+                <a:uFillTx/>
+                <a:latin typeface="+mn-lt"/>
+                <a:ea typeface="+mn-ea"/>
+                <a:cs typeface="+mn-cs"/>
+              </a:rPr>
+              <a:t>RPC</a:t>
+            </a:r>
+            <a:endParaRPr kumimoji="0" lang="zh-TW" altLang="en-US" sz="3200" b="0" i="0" u="none" strike="noStrike" kern="1200" cap="none" spc="0" normalizeH="0" baseline="0" noProof="0" dirty="0">
+              <a:ln>
+                <a:noFill/>
+              </a:ln>
+              <a:solidFill>
+                <a:schemeClr val="tx1"/>
+              </a:solidFill>
+              <a:effectLst/>
+              <a:uLnTx/>
+              <a:uFillTx/>
+              <a:latin typeface="+mn-lt"/>
+              <a:ea typeface="+mn-ea"/>
+              <a:cs typeface="+mn-cs"/>
+            </a:endParaRPr>
+          </a:p>
+        </p:txBody>
+      </p:sp>
+      <p:pic>
+        <p:nvPicPr>
+          <p:cNvPr id="7" name="圖片 6" descr="python-five.png"/>
+          <p:cNvPicPr>
+            <a:picLocks noChangeAspect="1"/>
+          </p:cNvPicPr>
+          <p:nvPr/>
+        </p:nvPicPr>
+        <p:blipFill>
+          <a:blip r:embed="rId2" cstate="print"/>
+          <a:stretch>
+            <a:fillRect/>
+          </a:stretch>
+        </p:blipFill>
+        <p:spPr>
+          <a:xfrm>
+            <a:off x="3491880" y="2852936"/>
+            <a:ext cx="4824536" cy="1945744"/>
+          </a:xfrm>
+          <a:prstGeom prst="rect">
+            <a:avLst/>
+          </a:prstGeom>
+        </p:spPr>
+      </p:pic>
+      <p:pic>
+        <p:nvPicPr>
+          <p:cNvPr id="8" name="圖片 7" descr="python-six.png"/>
+          <p:cNvPicPr>
+            <a:picLocks noChangeAspect="1"/>
+          </p:cNvPicPr>
+          <p:nvPr/>
+        </p:nvPicPr>
+        <p:blipFill>
+          <a:blip r:embed="rId3" cstate="print"/>
+          <a:stretch>
+            <a:fillRect/>
+          </a:stretch>
+        </p:blipFill>
+        <p:spPr>
+          <a:xfrm>
+            <a:off x="3131840" y="4653136"/>
+            <a:ext cx="5724128" cy="1987545"/>
+          </a:xfrm>
+          <a:prstGeom prst="rect">
+            <a:avLst/>
+          </a:prstGeom>
+        </p:spPr>
+      </p:pic>
+      <p:sp>
+        <p:nvSpPr>
+          <p:cNvPr id="9" name="內容版面配置區 2"/>
+          <p:cNvSpPr txBox="1">
+            <a:spLocks/>
+          </p:cNvSpPr>
+          <p:nvPr/>
+        </p:nvSpPr>
+        <p:spPr>
+          <a:xfrm>
+            <a:off x="251520" y="1628800"/>
+            <a:ext cx="8363272" cy="1324744"/>
+          </a:xfrm>
+          <a:prstGeom prst="rect">
+            <a:avLst/>
+          </a:prstGeom>
+        </p:spPr>
+        <p:txBody>
+          <a:bodyPr vert="horz" lIns="91440" tIns="45720" rIns="91440" bIns="45720" rtlCol="0">
+            <a:normAutofit/>
+          </a:bodyPr>
+          <a:lstStyle/>
+          <a:p>
+            <a:pPr marL="342900" marR="0" lvl="0" indent="-342900" algn="l" defTabSz="914400" rtl="0" eaLnBrk="1" fontAlgn="auto" latinLnBrk="0" hangingPunct="1">
+              <a:lnSpc>
+                <a:spcPct val="100000"/>
+              </a:lnSpc>
+              <a:spcBef>
+                <a:spcPct val="20000"/>
+              </a:spcBef>
+              <a:spcAft>
+                <a:spcPts val="0"/>
+              </a:spcAft>
+              <a:buClrTx/>
+              <a:buSzTx/>
+              <a:buFont typeface="Arial" pitchFamily="34" charset="0"/>
+              <a:buChar char="•"/>
+              <a:tabLst/>
+              <a:defRPr/>
+            </a:pPr>
+            <a:r>
+              <a:rPr kumimoji="0" lang="en-US" altLang="zh-TW" sz="3200" b="0" i="0" u="none" strike="noStrike" kern="1200" cap="none" spc="0" normalizeH="0" baseline="0" noProof="0" dirty="0" smtClean="0">
+                <a:ln>
+                  <a:noFill/>
+                </a:ln>
+                <a:effectLst/>
+                <a:uLnTx/>
+                <a:uFillTx/>
+                <a:latin typeface="+mn-lt"/>
+                <a:ea typeface="+mn-ea"/>
+                <a:cs typeface="+mn-cs"/>
+              </a:rPr>
+              <a:t>Routing</a:t>
+            </a:r>
+            <a:endParaRPr kumimoji="0" lang="zh-TW" altLang="en-US" sz="3200" b="0" i="0" u="none" strike="noStrike" kern="1200" cap="none" spc="0" normalizeH="0" baseline="0" noProof="0" dirty="0">
+              <a:ln>
+                <a:noFill/>
+              </a:ln>
+              <a:effectLst/>
+              <a:uLnTx/>
+              <a:uFillTx/>
+              <a:latin typeface="+mn-lt"/>
+              <a:ea typeface="+mn-ea"/>
+              <a:cs typeface="+mn-cs"/>
+            </a:endParaRPr>
+          </a:p>
+        </p:txBody>
+      </p:sp>
+      <p:pic>
+        <p:nvPicPr>
+          <p:cNvPr id="10" name="圖片 9" descr="python-four.png"/>
+          <p:cNvPicPr>
+            <a:picLocks noChangeAspect="1"/>
+          </p:cNvPicPr>
+          <p:nvPr/>
+        </p:nvPicPr>
+        <p:blipFill>
+          <a:blip r:embed="rId4" cstate="print"/>
+          <a:stretch>
+            <a:fillRect/>
+          </a:stretch>
+        </p:blipFill>
+        <p:spPr>
+          <a:xfrm>
+            <a:off x="3779912" y="1196752"/>
+            <a:ext cx="4464496" cy="1804796"/>
+          </a:xfrm>
+          <a:prstGeom prst="rect">
+            <a:avLst/>
+          </a:prstGeom>
+        </p:spPr>
+      </p:pic>
+    </p:spTree>
+  </p:cSld>
+  <p:clrMapOvr>
+    <a:masterClrMapping/>
+  </p:clrMapOvr>
+</p:sld>
+</file>
+
+<file path=ppt/slides/slide8.xml><?xml version="1.0" encoding="utf-8"?>
+<p:sld xmlns:a="http://schemas.openxmlformats.org/drawingml/2006/main" xmlns:r="http://schemas.openxmlformats.org/officeDocument/2006/relationships" xmlns:p="http://schemas.openxmlformats.org/presentationml/2006/main">
+  <p:cSld>
+    <p:spTree>
+      <p:nvGrpSpPr>
+        <p:cNvPr id="1" name=""/>
+        <p:cNvGrpSpPr/>
+        <p:nvPr/>
+      </p:nvGrpSpPr>
+      <p:grpSpPr>
+        <a:xfrm>
+          <a:off x="0" y="0"/>
+          <a:ext cx="0" cy="0"/>
+          <a:chOff x="0" y="0"/>
+          <a:chExt cx="0" cy="0"/>
+        </a:xfrm>
+      </p:grpSpPr>
+      <p:sp>
+        <p:nvSpPr>
+          <p:cNvPr id="2" name="標題 1"/>
+          <p:cNvSpPr>
+            <a:spLocks noGrp="1"/>
+          </p:cNvSpPr>
+          <p:nvPr>
+            <p:ph type="title"/>
+          </p:nvPr>
+        </p:nvSpPr>
+        <p:spPr/>
+        <p:txBody>
+          <a:bodyPr>
+            <a:normAutofit/>
+          </a:bodyPr>
+          <a:lstStyle/>
+          <a:p>
+            <a:r>
+              <a:rPr lang="en-US" altLang="zh-TW" dirty="0" smtClean="0"/>
+              <a:t>DIY </a:t>
+            </a:r>
+            <a:r>
+              <a:rPr lang="en-US" altLang="zh-TW" dirty="0" smtClean="0"/>
+              <a:t>3 </a:t>
+            </a:r>
+            <a:r>
+              <a:rPr lang="en-US" altLang="zh-TW" dirty="0" smtClean="0"/>
+              <a:t>– </a:t>
+            </a:r>
+            <a:r>
+              <a:rPr lang="en-US" altLang="zh-TW" dirty="0" smtClean="0"/>
+              <a:t>Who is a volunteer?</a:t>
+            </a:r>
+            <a:endParaRPr lang="zh-TW" altLang="en-US" dirty="0"/>
+          </a:p>
+        </p:txBody>
+      </p:sp>
+      <p:sp>
+        <p:nvSpPr>
+          <p:cNvPr id="3" name="內容版面配置區 2"/>
+          <p:cNvSpPr>
+            <a:spLocks noGrp="1"/>
+          </p:cNvSpPr>
+          <p:nvPr>
+            <p:ph idx="1"/>
+          </p:nvPr>
+        </p:nvSpPr>
+        <p:spPr>
+          <a:xfrm>
+            <a:off x="467544" y="1844824"/>
+            <a:ext cx="8363272" cy="3240360"/>
+          </a:xfrm>
+        </p:spPr>
+        <p:txBody>
+          <a:bodyPr>
+            <a:normAutofit lnSpcReduction="10000"/>
+          </a:bodyPr>
+          <a:lstStyle/>
+          <a:p>
+            <a:r>
+              <a:rPr lang="en-US" altLang="zh-TW" dirty="0" smtClean="0"/>
+              <a:t>Using </a:t>
+            </a:r>
+            <a:r>
+              <a:rPr lang="en-US" altLang="zh-TW" dirty="0" smtClean="0"/>
+              <a:t>RabbitMQ </a:t>
+            </a:r>
+            <a:r>
+              <a:rPr lang="en-US" altLang="zh-TW" b="1" dirty="0" smtClean="0">
+                <a:solidFill>
+                  <a:srgbClr val="FF0000"/>
+                </a:solidFill>
+              </a:rPr>
+              <a:t>Queues</a:t>
+            </a:r>
+            <a:endParaRPr lang="en-US" altLang="zh-TW" b="1" dirty="0" smtClean="0">
+              <a:solidFill>
+                <a:srgbClr val="FF0000"/>
+              </a:solidFill>
+            </a:endParaRPr>
+          </a:p>
+          <a:p>
+            <a:r>
+              <a:rPr lang="en-US" altLang="zh-TW" dirty="0" smtClean="0">
+                <a:solidFill>
+                  <a:srgbClr val="FF0000"/>
+                </a:solidFill>
+              </a:rPr>
+              <a:t>Without </a:t>
+            </a:r>
+            <a:r>
+              <a:rPr lang="en-US" altLang="zh-TW" dirty="0" err="1" smtClean="0">
+                <a:solidFill>
+                  <a:srgbClr val="FF0000"/>
+                </a:solidFill>
+              </a:rPr>
+              <a:t>setInterval</a:t>
+            </a:r>
+            <a:r>
+              <a:rPr lang="en-US" altLang="zh-TW" dirty="0" smtClean="0"/>
+              <a:t> in code</a:t>
+            </a:r>
+          </a:p>
+          <a:p>
+            <a:r>
+              <a:rPr lang="en-US" altLang="zh-TW" dirty="0" smtClean="0"/>
+              <a:t>Only be triggered </a:t>
+            </a:r>
+            <a:r>
+              <a:rPr lang="en-US" altLang="zh-TW" dirty="0" smtClean="0"/>
+              <a:t>when </a:t>
+            </a:r>
+            <a:r>
+              <a:rPr lang="en-US" altLang="zh-TW" dirty="0" smtClean="0">
+                <a:solidFill>
+                  <a:srgbClr val="FF0000"/>
+                </a:solidFill>
+              </a:rPr>
+              <a:t>task is coming</a:t>
+            </a:r>
+          </a:p>
+          <a:p>
+            <a:endParaRPr lang="en-US" altLang="zh-TW" dirty="0" smtClean="0">
+              <a:solidFill>
+                <a:srgbClr val="FF0000"/>
+              </a:solidFill>
+            </a:endParaRPr>
+          </a:p>
+          <a:p>
+            <a:r>
               <a:rPr lang="en-US" altLang="zh-TW" dirty="0" smtClean="0">
                 <a:hlinkClick r:id="rId2"/>
               </a:rPr>
-              <a:t>https://aws.amazon.com/tw</a:t>
+              <a:t>https://</a:t>
             </a:r>
             <a:r>
               <a:rPr lang="en-US" altLang="zh-TW" dirty="0" smtClean="0">
                 <a:hlinkClick r:id="rId2"/>
               </a:rPr>
-              <a:t>/</a:t>
-            </a:r>
-            <a:endParaRPr lang="en-US" altLang="zh-TW" dirty="0" smtClean="0"/>
-          </a:p>
-          <a:p>
-            <a:endParaRPr lang="en-US" altLang="zh-TW" dirty="0" smtClean="0"/>
-          </a:p>
-          <a:p>
+              <a:t>github.com/jimliu7434/microservice-sample/blob/master/service/example03.js</a:t>
+            </a:r>
+            <a:endParaRPr lang="en-US" altLang="zh-TW" dirty="0"/>
+          </a:p>
+        </p:txBody>
+      </p:sp>
+    </p:spTree>
+  </p:cSld>
+  <p:clrMapOvr>
+    <a:masterClrMapping/>
+  </p:clrMapOvr>
+</p:sld>
+</file>
+
+<file path=ppt/slides/slide9.xml><?xml version="1.0" encoding="utf-8"?>
+<p:sld xmlns:a="http://schemas.openxmlformats.org/drawingml/2006/main" xmlns:r="http://schemas.openxmlformats.org/officeDocument/2006/relationships" xmlns:p="http://schemas.openxmlformats.org/presentationml/2006/main">
+  <p:cSld>
+    <p:spTree>
+      <p:nvGrpSpPr>
+        <p:cNvPr id="1" name=""/>
+        <p:cNvGrpSpPr/>
+        <p:nvPr/>
+      </p:nvGrpSpPr>
+      <p:grpSpPr>
+        <a:xfrm>
+          <a:off x="0" y="0"/>
+          <a:ext cx="0" cy="0"/>
+          <a:chOff x="0" y="0"/>
+          <a:chExt cx="0" cy="0"/>
+        </a:xfrm>
+      </p:grpSpPr>
+      <p:sp>
+        <p:nvSpPr>
+          <p:cNvPr id="2" name="標題 1"/>
+          <p:cNvSpPr>
+            <a:spLocks noGrp="1"/>
+          </p:cNvSpPr>
+          <p:nvPr>
+            <p:ph type="title"/>
+          </p:nvPr>
+        </p:nvSpPr>
+        <p:spPr/>
+        <p:txBody>
+          <a:bodyPr>
+            <a:normAutofit/>
+          </a:bodyPr>
+          <a:lstStyle/>
+          <a:p>
+            <a:r>
+              <a:rPr lang="en-US" altLang="zh-TW" dirty="0" smtClean="0"/>
+              <a:t>DIY </a:t>
+            </a:r>
+            <a:r>
+              <a:rPr lang="en-US" altLang="zh-TW" dirty="0" smtClean="0"/>
+              <a:t>4 </a:t>
+            </a:r>
+            <a:r>
+              <a:rPr lang="en-US" altLang="zh-TW" dirty="0" smtClean="0"/>
+              <a:t>– </a:t>
+            </a:r>
+            <a:r>
+              <a:rPr lang="en-US" altLang="zh-TW" dirty="0" smtClean="0"/>
+              <a:t>Logging Service</a:t>
+            </a:r>
             <a:endParaRPr lang="zh-TW" altLang="en-US" dirty="0"/>
+          </a:p>
+        </p:txBody>
+      </p:sp>
+      <p:sp>
+        <p:nvSpPr>
+          <p:cNvPr id="3" name="內容版面配置區 2"/>
+          <p:cNvSpPr>
+            <a:spLocks noGrp="1"/>
+          </p:cNvSpPr>
+          <p:nvPr>
+            <p:ph idx="1"/>
+          </p:nvPr>
+        </p:nvSpPr>
+        <p:spPr>
+          <a:xfrm>
+            <a:off x="467544" y="1844824"/>
+            <a:ext cx="8363272" cy="3240360"/>
+          </a:xfrm>
+        </p:spPr>
+        <p:txBody>
+          <a:bodyPr>
+            <a:normAutofit/>
+          </a:bodyPr>
+          <a:lstStyle/>
+          <a:p>
+            <a:r>
+              <a:rPr lang="en-US" altLang="zh-TW" dirty="0" smtClean="0"/>
+              <a:t>Using </a:t>
+            </a:r>
+            <a:r>
+              <a:rPr lang="en-US" altLang="zh-TW" dirty="0" smtClean="0"/>
+              <a:t>RabbitMQ </a:t>
+            </a:r>
+            <a:r>
+              <a:rPr lang="en-US" altLang="zh-TW" b="1" dirty="0" smtClean="0">
+                <a:solidFill>
+                  <a:srgbClr val="FF0000"/>
+                </a:solidFill>
+              </a:rPr>
+              <a:t>Pub/Sub</a:t>
+            </a:r>
+            <a:endParaRPr lang="en-US" altLang="zh-TW" b="1" dirty="0" smtClean="0">
+              <a:solidFill>
+                <a:srgbClr val="FF0000"/>
+              </a:solidFill>
+            </a:endParaRPr>
+          </a:p>
+          <a:p>
+            <a:endParaRPr lang="en-US" altLang="zh-TW" dirty="0" smtClean="0">
+              <a:solidFill>
+                <a:srgbClr val="FF0000"/>
+              </a:solidFill>
+            </a:endParaRPr>
+          </a:p>
+          <a:p>
+            <a:r>
+              <a:rPr lang="en-US" altLang="zh-TW" dirty="0" smtClean="0">
+                <a:hlinkClick r:id="rId2"/>
+              </a:rPr>
+              <a:t>https://</a:t>
+            </a:r>
+            <a:r>
+              <a:rPr lang="en-US" altLang="zh-TW" dirty="0" smtClean="0">
+                <a:hlinkClick r:id="rId2"/>
+              </a:rPr>
+              <a:t>github.com/jimliu7434/microservice-sample/blob/master/service/example04.js</a:t>
+            </a:r>
+            <a:endParaRPr lang="en-US" altLang="zh-TW" dirty="0"/>
           </a:p>
         </p:txBody>
       </p:sp>

--- a/Microservice03.pptx
+++ b/Microservice03.pptx
@@ -5,7 +5,7 @@
     <p:sldMasterId id="2147483648" r:id="rId1"/>
   </p:sldMasterIdLst>
   <p:notesMasterIdLst>
-    <p:notesMasterId r:id="rId15"/>
+    <p:notesMasterId r:id="rId17"/>
   </p:notesMasterIdLst>
   <p:sldIdLst>
     <p:sldId id="256" r:id="rId2"/>
@@ -20,7 +20,9 @@
     <p:sldId id="270" r:id="rId11"/>
     <p:sldId id="273" r:id="rId12"/>
     <p:sldId id="272" r:id="rId13"/>
-    <p:sldId id="258" r:id="rId14"/>
+    <p:sldId id="282" r:id="rId14"/>
+    <p:sldId id="283" r:id="rId15"/>
+    <p:sldId id="258" r:id="rId16"/>
   </p:sldIdLst>
   <p:sldSz cx="9144000" cy="6858000" type="screen4x3"/>
   <p:notesSz cx="6858000" cy="9144000"/>
@@ -205,7 +207,7 @@
             <a:fld id="{1AA0A25A-0933-4BB6-AB00-1CCD3F98FE01}" type="datetimeFigureOut">
               <a:rPr lang="zh-TW" altLang="en-US" smtClean="0"/>
               <a:pPr/>
-              <a:t>2019/8/20</a:t>
+              <a:t>2019/9/6</a:t>
             </a:fld>
             <a:endParaRPr lang="zh-TW" altLang="en-US"/>
           </a:p>
@@ -812,7 +814,7 @@
             <a:fld id="{FD877D34-32F8-4B33-9092-4B8820F5807F}" type="datetimeFigureOut">
               <a:rPr lang="zh-TW" altLang="en-US" smtClean="0"/>
               <a:pPr/>
-              <a:t>2019/8/20</a:t>
+              <a:t>2019/9/6</a:t>
             </a:fld>
             <a:endParaRPr lang="zh-TW" altLang="en-US"/>
           </a:p>
@@ -979,7 +981,7 @@
             <a:fld id="{FD877D34-32F8-4B33-9092-4B8820F5807F}" type="datetimeFigureOut">
               <a:rPr lang="zh-TW" altLang="en-US" smtClean="0"/>
               <a:pPr/>
-              <a:t>2019/8/20</a:t>
+              <a:t>2019/9/6</a:t>
             </a:fld>
             <a:endParaRPr lang="zh-TW" altLang="en-US"/>
           </a:p>
@@ -1156,7 +1158,7 @@
             <a:fld id="{FD877D34-32F8-4B33-9092-4B8820F5807F}" type="datetimeFigureOut">
               <a:rPr lang="zh-TW" altLang="en-US" smtClean="0"/>
               <a:pPr/>
-              <a:t>2019/8/20</a:t>
+              <a:t>2019/9/6</a:t>
             </a:fld>
             <a:endParaRPr lang="zh-TW" altLang="en-US"/>
           </a:p>
@@ -1323,7 +1325,7 @@
             <a:fld id="{FD877D34-32F8-4B33-9092-4B8820F5807F}" type="datetimeFigureOut">
               <a:rPr lang="zh-TW" altLang="en-US" smtClean="0"/>
               <a:pPr/>
-              <a:t>2019/8/20</a:t>
+              <a:t>2019/9/6</a:t>
             </a:fld>
             <a:endParaRPr lang="zh-TW" altLang="en-US"/>
           </a:p>
@@ -1566,7 +1568,7 @@
             <a:fld id="{FD877D34-32F8-4B33-9092-4B8820F5807F}" type="datetimeFigureOut">
               <a:rPr lang="zh-TW" altLang="en-US" smtClean="0"/>
               <a:pPr/>
-              <a:t>2019/8/20</a:t>
+              <a:t>2019/9/6</a:t>
             </a:fld>
             <a:endParaRPr lang="zh-TW" altLang="en-US"/>
           </a:p>
@@ -1851,7 +1853,7 @@
             <a:fld id="{FD877D34-32F8-4B33-9092-4B8820F5807F}" type="datetimeFigureOut">
               <a:rPr lang="zh-TW" altLang="en-US" smtClean="0"/>
               <a:pPr/>
-              <a:t>2019/8/20</a:t>
+              <a:t>2019/9/6</a:t>
             </a:fld>
             <a:endParaRPr lang="zh-TW" altLang="en-US"/>
           </a:p>
@@ -2270,7 +2272,7 @@
             <a:fld id="{FD877D34-32F8-4B33-9092-4B8820F5807F}" type="datetimeFigureOut">
               <a:rPr lang="zh-TW" altLang="en-US" smtClean="0"/>
               <a:pPr/>
-              <a:t>2019/8/20</a:t>
+              <a:t>2019/9/6</a:t>
             </a:fld>
             <a:endParaRPr lang="zh-TW" altLang="en-US"/>
           </a:p>
@@ -2385,7 +2387,7 @@
             <a:fld id="{FD877D34-32F8-4B33-9092-4B8820F5807F}" type="datetimeFigureOut">
               <a:rPr lang="zh-TW" altLang="en-US" smtClean="0"/>
               <a:pPr/>
-              <a:t>2019/8/20</a:t>
+              <a:t>2019/9/6</a:t>
             </a:fld>
             <a:endParaRPr lang="zh-TW" altLang="en-US"/>
           </a:p>
@@ -2477,7 +2479,7 @@
             <a:fld id="{FD877D34-32F8-4B33-9092-4B8820F5807F}" type="datetimeFigureOut">
               <a:rPr lang="zh-TW" altLang="en-US" smtClean="0"/>
               <a:pPr/>
-              <a:t>2019/8/20</a:t>
+              <a:t>2019/9/6</a:t>
             </a:fld>
             <a:endParaRPr lang="zh-TW" altLang="en-US"/>
           </a:p>
@@ -2751,7 +2753,7 @@
             <a:fld id="{FD877D34-32F8-4B33-9092-4B8820F5807F}" type="datetimeFigureOut">
               <a:rPr lang="zh-TW" altLang="en-US" smtClean="0"/>
               <a:pPr/>
-              <a:t>2019/8/20</a:t>
+              <a:t>2019/9/6</a:t>
             </a:fld>
             <a:endParaRPr lang="zh-TW" altLang="en-US"/>
           </a:p>
@@ -3001,7 +3003,7 @@
             <a:fld id="{FD877D34-32F8-4B33-9092-4B8820F5807F}" type="datetimeFigureOut">
               <a:rPr lang="zh-TW" altLang="en-US" smtClean="0"/>
               <a:pPr/>
-              <a:t>2019/8/20</a:t>
+              <a:t>2019/9/6</a:t>
             </a:fld>
             <a:endParaRPr lang="zh-TW" altLang="en-US"/>
           </a:p>
@@ -3211,7 +3213,7 @@
             <a:fld id="{FD877D34-32F8-4B33-9092-4B8820F5807F}" type="datetimeFigureOut">
               <a:rPr lang="zh-TW" altLang="en-US" smtClean="0"/>
               <a:pPr/>
-              <a:t>2019/8/20</a:t>
+              <a:t>2019/9/6</a:t>
             </a:fld>
             <a:endParaRPr lang="zh-TW" altLang="en-US"/>
           </a:p>
@@ -3609,10 +3611,6 @@
               <a:rPr lang="en-US" altLang="zh-TW" dirty="0" smtClean="0"/>
               <a:t>03</a:t>
             </a:r>
-            <a:r>
-              <a:rPr lang="en-US" altLang="zh-TW" dirty="0" smtClean="0"/>
-              <a:t/>
-            </a:r>
             <a:br>
               <a:rPr lang="en-US" altLang="zh-TW" dirty="0" smtClean="0"/>
             </a:br>
@@ -4023,19 +4021,7 @@
           <a:p>
             <a:r>
               <a:rPr lang="en-US" altLang="zh-TW" dirty="0" smtClean="0"/>
-              <a:t>DIY </a:t>
-            </a:r>
-            <a:r>
-              <a:rPr lang="en-US" altLang="zh-TW" dirty="0" smtClean="0"/>
-              <a:t>5 </a:t>
-            </a:r>
-            <a:r>
-              <a:rPr lang="en-US" altLang="zh-TW" dirty="0" smtClean="0"/>
-              <a:t>– Who is </a:t>
-            </a:r>
-            <a:r>
-              <a:rPr lang="en-US" altLang="zh-TW" dirty="0" smtClean="0"/>
-              <a:t>online/offline</a:t>
+              <a:t>DIY 5 – Who is online/offline</a:t>
             </a:r>
             <a:endParaRPr lang="zh-TW" altLang="en-US" dirty="0"/>
           </a:p>
@@ -4065,11 +4051,7 @@
           <a:p>
             <a:r>
               <a:rPr lang="en-US" altLang="zh-TW" dirty="0" smtClean="0"/>
-              <a:t>Using </a:t>
-            </a:r>
-            <a:r>
-              <a:rPr lang="en-US" altLang="zh-TW" dirty="0" smtClean="0"/>
-              <a:t>RabbitMQ </a:t>
+              <a:t>Using RabbitMQ </a:t>
             </a:r>
             <a:r>
               <a:rPr lang="en-US" altLang="zh-TW" b="1" dirty="0" smtClean="0">
@@ -4091,11 +4073,6 @@
               </a:rPr>
               <a:t>+ Queue</a:t>
             </a:r>
-            <a:endParaRPr lang="en-US" altLang="zh-TW" b="1" dirty="0" smtClean="0">
-              <a:solidFill>
-                <a:srgbClr val="FF0000"/>
-              </a:solidFill>
-            </a:endParaRPr>
           </a:p>
           <a:p>
             <a:r>
@@ -4130,29 +4107,8 @@
                   <a:srgbClr val="FF0000"/>
                 </a:solidFill>
               </a:rPr>
-              <a:t>service </a:t>
-            </a:r>
-            <a:r>
-              <a:rPr lang="en-US" altLang="zh-TW" dirty="0" smtClean="0">
-                <a:solidFill>
-                  <a:srgbClr val="FF0000"/>
-                </a:solidFill>
-              </a:rPr>
-              <a:t>go Up or </a:t>
-            </a:r>
-            <a:r>
-              <a:rPr lang="en-US" altLang="zh-TW" dirty="0" smtClean="0">
-                <a:solidFill>
-                  <a:srgbClr val="FF0000"/>
-                </a:solidFill>
-              </a:rPr>
-              <a:t>Down</a:t>
-            </a:r>
-            <a:endParaRPr lang="en-US" altLang="zh-TW" dirty="0" smtClean="0">
-              <a:solidFill>
-                <a:srgbClr val="FF0000"/>
-              </a:solidFill>
-            </a:endParaRPr>
+              <a:t>service go Up or Down</a:t>
+            </a:r>
           </a:p>
           <a:p>
             <a:endParaRPr lang="en-US" altLang="zh-TW" dirty="0" smtClean="0"/>
@@ -4162,13 +4118,7 @@
               <a:rPr lang="en-US" altLang="zh-TW" dirty="0" smtClean="0">
                 <a:hlinkClick r:id="rId2"/>
               </a:rPr>
-              <a:t>https://</a:t>
-            </a:r>
-            <a:r>
-              <a:rPr lang="en-US" altLang="zh-TW" dirty="0" smtClean="0">
-                <a:hlinkClick r:id="rId2"/>
-              </a:rPr>
-              <a:t>github.com/jimliu7434/microservice-sample/blob/master/service/example05.js</a:t>
+              <a:t>https://github.com/jimliu7434/microservice-sample/blob/master/service/example05.js</a:t>
             </a:r>
             <a:endParaRPr lang="en-US" altLang="zh-TW" dirty="0"/>
           </a:p>
@@ -4211,6 +4161,283 @@
         </p:nvSpPr>
         <p:spPr/>
         <p:txBody>
+          <a:bodyPr>
+            <a:normAutofit fontScale="90000"/>
+          </a:bodyPr>
+          <a:lstStyle/>
+          <a:p>
+            <a:r>
+              <a:rPr lang="en-US" altLang="zh-TW" dirty="0" smtClean="0"/>
+              <a:t>DIY 6 – </a:t>
+            </a:r>
+            <a:r>
+              <a:rPr lang="en-US" altLang="zh-TW" dirty="0" err="1" smtClean="0"/>
+              <a:t>Leaderboard</a:t>
+            </a:r>
+            <a:r>
+              <a:rPr lang="en-US" altLang="zh-TW" dirty="0" smtClean="0"/>
+              <a:t> with Time range</a:t>
+            </a:r>
+            <a:endParaRPr lang="zh-TW" altLang="en-US" dirty="0"/>
+          </a:p>
+        </p:txBody>
+      </p:sp>
+      <p:sp>
+        <p:nvSpPr>
+          <p:cNvPr id="3" name="內容版面配置區 2"/>
+          <p:cNvSpPr>
+            <a:spLocks noGrp="1"/>
+          </p:cNvSpPr>
+          <p:nvPr>
+            <p:ph idx="1"/>
+          </p:nvPr>
+        </p:nvSpPr>
+        <p:spPr/>
+        <p:txBody>
+          <a:bodyPr/>
+          <a:lstStyle/>
+          <a:p>
+            <a:r>
+              <a:rPr lang="en-US" altLang="zh-TW" dirty="0" smtClean="0"/>
+              <a:t>With Local </a:t>
+            </a:r>
+            <a:r>
+              <a:rPr lang="en-US" altLang="zh-TW" dirty="0" smtClean="0"/>
+              <a:t>Code</a:t>
+            </a:r>
+            <a:endParaRPr lang="en-US" altLang="zh-TW" dirty="0" smtClean="0">
+              <a:hlinkClick r:id="rId2"/>
+            </a:endParaRPr>
+          </a:p>
+          <a:p>
+            <a:r>
+              <a:rPr lang="en-US" altLang="zh-TW" dirty="0" smtClean="0">
+                <a:hlinkClick r:id="rId2"/>
+              </a:rPr>
+              <a:t>https</a:t>
+            </a:r>
+            <a:r>
+              <a:rPr lang="en-US" altLang="zh-TW" dirty="0" smtClean="0">
+                <a:hlinkClick r:id="rId2"/>
+              </a:rPr>
+              <a:t>://</a:t>
+            </a:r>
+            <a:r>
+              <a:rPr lang="en-US" altLang="zh-TW" dirty="0" smtClean="0">
+                <a:hlinkClick r:id="rId2"/>
+              </a:rPr>
+              <a:t>github.com/jimliu7434/microservice-sample/blob/master/service/example06.js</a:t>
+            </a:r>
+            <a:endParaRPr lang="en-US" altLang="zh-TW" dirty="0" smtClean="0"/>
+          </a:p>
+          <a:p>
+            <a:endParaRPr lang="en-US" altLang="zh-TW" dirty="0" smtClean="0"/>
+          </a:p>
+        </p:txBody>
+      </p:sp>
+    </p:spTree>
+  </p:cSld>
+  <p:clrMapOvr>
+    <a:masterClrMapping/>
+  </p:clrMapOvr>
+</p:sld>
+</file>
+
+<file path=ppt/slides/slide14.xml><?xml version="1.0" encoding="utf-8"?>
+<p:sld xmlns:a="http://schemas.openxmlformats.org/drawingml/2006/main" xmlns:r="http://schemas.openxmlformats.org/officeDocument/2006/relationships" xmlns:p="http://schemas.openxmlformats.org/presentationml/2006/main">
+  <p:cSld>
+    <p:spTree>
+      <p:nvGrpSpPr>
+        <p:cNvPr id="1" name=""/>
+        <p:cNvGrpSpPr/>
+        <p:nvPr/>
+      </p:nvGrpSpPr>
+      <p:grpSpPr>
+        <a:xfrm>
+          <a:off x="0" y="0"/>
+          <a:ext cx="0" cy="0"/>
+          <a:chOff x="0" y="0"/>
+          <a:chExt cx="0" cy="0"/>
+        </a:xfrm>
+      </p:grpSpPr>
+      <p:sp>
+        <p:nvSpPr>
+          <p:cNvPr id="2" name="標題 1"/>
+          <p:cNvSpPr>
+            <a:spLocks noGrp="1"/>
+          </p:cNvSpPr>
+          <p:nvPr>
+            <p:ph type="title"/>
+          </p:nvPr>
+        </p:nvSpPr>
+        <p:spPr/>
+        <p:txBody>
+          <a:bodyPr>
+            <a:normAutofit fontScale="90000"/>
+          </a:bodyPr>
+          <a:lstStyle/>
+          <a:p>
+            <a:r>
+              <a:rPr lang="en-US" altLang="zh-TW" dirty="0" smtClean="0"/>
+              <a:t>DIY </a:t>
+            </a:r>
+            <a:r>
+              <a:rPr lang="en-US" altLang="zh-TW" dirty="0" smtClean="0"/>
+              <a:t>7 </a:t>
+            </a:r>
+            <a:r>
+              <a:rPr lang="en-US" altLang="zh-TW" dirty="0" smtClean="0"/>
+              <a:t>– </a:t>
+            </a:r>
+            <a:r>
+              <a:rPr lang="en-US" altLang="zh-TW" dirty="0" err="1" smtClean="0"/>
+              <a:t>Leaderboard</a:t>
+            </a:r>
+            <a:r>
+              <a:rPr lang="en-US" altLang="zh-TW" dirty="0" smtClean="0"/>
+              <a:t> with Time range</a:t>
+            </a:r>
+            <a:endParaRPr lang="zh-TW" altLang="en-US" dirty="0"/>
+          </a:p>
+        </p:txBody>
+      </p:sp>
+      <p:sp>
+        <p:nvSpPr>
+          <p:cNvPr id="3" name="內容版面配置區 2"/>
+          <p:cNvSpPr>
+            <a:spLocks noGrp="1"/>
+          </p:cNvSpPr>
+          <p:nvPr>
+            <p:ph idx="1"/>
+          </p:nvPr>
+        </p:nvSpPr>
+        <p:spPr/>
+        <p:txBody>
+          <a:bodyPr/>
+          <a:lstStyle/>
+          <a:p>
+            <a:r>
+              <a:rPr lang="en-US" altLang="zh-TW" dirty="0" smtClean="0"/>
+              <a:t>With RabbitMQ </a:t>
+            </a:r>
+            <a:r>
+              <a:rPr lang="en-US" altLang="zh-TW" dirty="0" smtClean="0"/>
+              <a:t> </a:t>
+            </a:r>
+          </a:p>
+          <a:p>
+            <a:r>
+              <a:rPr lang="en-US" altLang="zh-TW" dirty="0" err="1" smtClean="0"/>
+              <a:t>plugin</a:t>
+            </a:r>
+            <a:r>
+              <a:rPr lang="en-US" altLang="zh-TW" dirty="0" smtClean="0"/>
+              <a:t> </a:t>
+            </a:r>
+            <a:r>
+              <a:rPr lang="en-US" altLang="zh-TW" b="1" dirty="0" err="1" smtClean="0"/>
+              <a:t>rabbitmq_delayed_message_exchange</a:t>
+            </a:r>
+            <a:endParaRPr lang="en-US" altLang="zh-TW" dirty="0" smtClean="0"/>
+          </a:p>
+          <a:p>
+            <a:r>
+              <a:rPr lang="en-US" altLang="zh-TW" dirty="0" smtClean="0">
+                <a:hlinkClick r:id="rId2"/>
+              </a:rPr>
+              <a:t>https</a:t>
+            </a:r>
+            <a:r>
+              <a:rPr lang="en-US" altLang="zh-TW" dirty="0" smtClean="0">
+                <a:hlinkClick r:id="rId2"/>
+              </a:rPr>
+              <a:t>://</a:t>
+            </a:r>
+            <a:r>
+              <a:rPr lang="en-US" altLang="zh-TW" dirty="0" smtClean="0">
+                <a:hlinkClick r:id="rId2"/>
+              </a:rPr>
+              <a:t>github.com/jimliu7434/microservice-sample/blob/master/service/example07.js</a:t>
+            </a:r>
+            <a:endParaRPr lang="en-US" altLang="zh-TW" dirty="0" smtClean="0"/>
+          </a:p>
+          <a:p>
+            <a:endParaRPr lang="en-US" altLang="zh-TW" dirty="0" smtClean="0"/>
+          </a:p>
+          <a:p>
+            <a:endParaRPr lang="zh-TW" altLang="en-US" dirty="0"/>
+          </a:p>
+        </p:txBody>
+      </p:sp>
+      <p:pic>
+        <p:nvPicPr>
+          <p:cNvPr id="1027" name="Picture 3"/>
+          <p:cNvPicPr>
+            <a:picLocks noChangeAspect="1" noChangeArrowheads="1"/>
+          </p:cNvPicPr>
+          <p:nvPr/>
+        </p:nvPicPr>
+        <p:blipFill>
+          <a:blip r:embed="rId3" cstate="print"/>
+          <a:srcRect/>
+          <a:stretch>
+            <a:fillRect/>
+          </a:stretch>
+        </p:blipFill>
+        <p:spPr bwMode="auto">
+          <a:xfrm>
+            <a:off x="1619672" y="4005064"/>
+            <a:ext cx="6048672" cy="2594899"/>
+          </a:xfrm>
+          <a:prstGeom prst="rect">
+            <a:avLst/>
+          </a:prstGeom>
+          <a:noFill/>
+          <a:ln w="9525">
+            <a:noFill/>
+            <a:miter lim="800000"/>
+            <a:headEnd/>
+            <a:tailEnd/>
+          </a:ln>
+        </p:spPr>
+      </p:pic>
+    </p:spTree>
+  </p:cSld>
+  <p:clrMapOvr>
+    <a:masterClrMapping/>
+  </p:clrMapOvr>
+</p:sld>
+</file>
+
+<file path=ppt/slides/slide15.xml><?xml version="1.0" encoding="utf-8"?>
+<p:sld xmlns:a="http://schemas.openxmlformats.org/drawingml/2006/main" xmlns:r="http://schemas.openxmlformats.org/officeDocument/2006/relationships" xmlns:p="http://schemas.openxmlformats.org/presentationml/2006/main">
+  <p:cSld>
+    <p:spTree>
+      <p:nvGrpSpPr>
+        <p:cNvPr id="1" name=""/>
+        <p:cNvGrpSpPr/>
+        <p:nvPr/>
+      </p:nvGrpSpPr>
+      <p:grpSpPr>
+        <a:xfrm>
+          <a:off x="0" y="0"/>
+          <a:ext cx="0" cy="0"/>
+          <a:chOff x="0" y="0"/>
+          <a:chExt cx="0" cy="0"/>
+        </a:xfrm>
+      </p:grpSpPr>
+      <p:sp>
+        <p:nvSpPr>
+          <p:cNvPr id="2" name="標題 1"/>
+          <p:cNvSpPr>
+            <a:spLocks noGrp="1"/>
+          </p:cNvSpPr>
+          <p:nvPr>
+            <p:ph type="title"/>
+          </p:nvPr>
+        </p:nvSpPr>
+        <p:spPr/>
+        <p:txBody>
           <a:bodyPr/>
           <a:lstStyle/>
           <a:p>
@@ -4254,19 +4481,7 @@
               <a:rPr lang="en-US" altLang="zh-TW" dirty="0" smtClean="0">
                 <a:hlinkClick r:id="rId3"/>
               </a:rPr>
-              <a:t>https</a:t>
-            </a:r>
-            <a:r>
-              <a:rPr lang="en-US" altLang="zh-TW" dirty="0" smtClean="0">
-                <a:hlinkClick r:id="rId3"/>
-              </a:rPr>
-              <a:t>://</a:t>
-            </a:r>
-            <a:r>
-              <a:rPr lang="en-US" altLang="zh-TW" dirty="0" smtClean="0">
-                <a:hlinkClick r:id="rId3"/>
-              </a:rPr>
-              <a:t>www.rabbitmq.com</a:t>
+              <a:t>https://www.rabbitmq.com</a:t>
             </a:r>
             <a:endParaRPr lang="en-US" altLang="zh-TW" dirty="0" smtClean="0"/>
           </a:p>
@@ -4334,7 +4549,7 @@
         </p:spPr>
         <p:txBody>
           <a:bodyPr>
-            <a:normAutofit/>
+            <a:normAutofit fontScale="92500" lnSpcReduction="10000"/>
           </a:bodyPr>
           <a:lstStyle/>
           <a:p>
@@ -4352,9 +4567,6 @@
               </a:rPr>
               <a:t>RabbitMQ</a:t>
             </a:r>
-            <a:endParaRPr lang="en-US" altLang="zh-TW" dirty="0" smtClean="0">
-              <a:hlinkClick r:id="rId2" action="ppaction://hlinksldjump"/>
-            </a:endParaRPr>
           </a:p>
           <a:p>
             <a:r>
@@ -4366,15 +4578,7 @@
             <a:pPr lvl="1"/>
             <a:r>
               <a:rPr lang="en-US" altLang="zh-TW" dirty="0" smtClean="0"/>
-              <a:t>DIY 3 - </a:t>
-            </a:r>
-            <a:r>
-              <a:rPr lang="en-US" altLang="zh-TW" dirty="0" smtClean="0"/>
-              <a:t>Who is a </a:t>
-            </a:r>
-            <a:r>
-              <a:rPr lang="en-US" altLang="zh-TW" dirty="0" smtClean="0"/>
-              <a:t>volunteer?</a:t>
+              <a:t>DIY 3 - Who is a volunteer?</a:t>
             </a:r>
           </a:p>
           <a:p>
@@ -4389,13 +4593,7 @@
               <a:rPr lang="en-US" altLang="zh-TW" dirty="0" smtClean="0">
                 <a:hlinkClick r:id="rId3" action="ppaction://hlinksldjump"/>
               </a:rPr>
-              <a:t>Service </a:t>
-            </a:r>
-            <a:r>
-              <a:rPr lang="en-US" altLang="zh-TW" dirty="0" smtClean="0">
-                <a:hlinkClick r:id="rId3" action="ppaction://hlinksldjump"/>
-              </a:rPr>
-              <a:t>Discovery</a:t>
+              <a:t>Service Discovery</a:t>
             </a:r>
             <a:endParaRPr lang="en-US" altLang="zh-TW" dirty="0" smtClean="0"/>
           </a:p>
@@ -4405,25 +4603,59 @@
               <a:rPr lang="en-US" altLang="zh-TW" dirty="0" smtClean="0">
                 <a:hlinkClick r:id="" action="ppaction://noaction"/>
               </a:rPr>
-              <a:t>DIY </a:t>
-            </a:r>
-            <a:r>
-              <a:rPr lang="en-US" altLang="zh-TW" dirty="0" smtClean="0">
-                <a:hlinkClick r:id="" action="ppaction://noaction"/>
-              </a:rPr>
-              <a:t>5 </a:t>
-            </a:r>
-            <a:r>
-              <a:rPr lang="en-US" altLang="zh-TW" dirty="0" smtClean="0">
-                <a:hlinkClick r:id="" action="ppaction://noaction"/>
-              </a:rPr>
-              <a:t>- Who is </a:t>
+              <a:t>DIY 5 - Who is </a:t>
             </a:r>
             <a:r>
               <a:rPr lang="en-US" altLang="zh-TW" dirty="0" smtClean="0">
                 <a:hlinkClick r:id="" action="ppaction://noaction"/>
               </a:rPr>
               <a:t>online/offline</a:t>
+            </a:r>
+            <a:endParaRPr lang="en-US" altLang="zh-TW" dirty="0" smtClean="0"/>
+          </a:p>
+          <a:p>
+            <a:r>
+              <a:rPr lang="en-US" altLang="zh-TW" dirty="0" err="1" smtClean="0"/>
+              <a:t>Leaderboard</a:t>
+            </a:r>
+            <a:endParaRPr lang="en-US" altLang="zh-TW" dirty="0" smtClean="0"/>
+          </a:p>
+          <a:p>
+            <a:pPr lvl="1"/>
+            <a:r>
+              <a:rPr lang="en-US" altLang="zh-TW" dirty="0" smtClean="0"/>
+              <a:t>DIY 6 – </a:t>
+            </a:r>
+            <a:r>
+              <a:rPr lang="en-US" altLang="zh-TW" dirty="0" err="1" smtClean="0"/>
+              <a:t>Leaderboard</a:t>
+            </a:r>
+            <a:r>
+              <a:rPr lang="en-US" altLang="zh-TW" dirty="0" smtClean="0"/>
+              <a:t> with Time range</a:t>
+            </a:r>
+          </a:p>
+          <a:p>
+            <a:pPr lvl="1"/>
+            <a:r>
+              <a:rPr lang="en-US" altLang="zh-TW" smtClean="0"/>
+              <a:t>DIY </a:t>
+            </a:r>
+            <a:r>
+              <a:rPr lang="en-US" altLang="zh-TW" smtClean="0"/>
+              <a:t>7 – </a:t>
+            </a:r>
+            <a:r>
+              <a:rPr lang="en-US" altLang="zh-TW" dirty="0" err="1" smtClean="0"/>
+              <a:t>Leaderboard</a:t>
+            </a:r>
+            <a:r>
+              <a:rPr lang="en-US" altLang="zh-TW" dirty="0" smtClean="0"/>
+              <a:t> with Time </a:t>
+            </a:r>
+            <a:r>
+              <a:rPr lang="en-US" altLang="zh-TW" dirty="0" smtClean="0"/>
+              <a:t>range</a:t>
             </a:r>
             <a:endParaRPr lang="en-US" altLang="zh-TW" dirty="0" smtClean="0"/>
           </a:p>
@@ -4668,23 +4900,11 @@
           <a:p>
             <a:r>
               <a:rPr lang="en-US" altLang="zh-TW" dirty="0" smtClean="0"/>
-              <a:t>Better </a:t>
-            </a:r>
-            <a:r>
-              <a:rPr lang="en-US" altLang="zh-TW" dirty="0" smtClean="0"/>
-              <a:t>Performance </a:t>
+              <a:t>Better Performance </a:t>
             </a:r>
             <a:r>
               <a:rPr lang="zh-TW" altLang="en-US" dirty="0" smtClean="0"/>
-              <a:t>更</a:t>
-            </a:r>
-            <a:r>
-              <a:rPr lang="zh-TW" altLang="en-US" dirty="0" smtClean="0"/>
-              <a:t>佳的</a:t>
-            </a:r>
-            <a:r>
-              <a:rPr lang="zh-TW" altLang="en-US" dirty="0" smtClean="0"/>
-              <a:t>效能</a:t>
+              <a:t>更佳的效能</a:t>
             </a:r>
             <a:endParaRPr lang="en-US" altLang="zh-TW" dirty="0" smtClean="0"/>
           </a:p>
@@ -4697,11 +4917,7 @@
           <a:p>
             <a:r>
               <a:rPr lang="en-US" altLang="zh-TW" dirty="0" smtClean="0"/>
-              <a:t>Increased </a:t>
-            </a:r>
-            <a:r>
-              <a:rPr lang="en-US" altLang="zh-TW" dirty="0" smtClean="0"/>
-              <a:t>Reliability </a:t>
+              <a:t>Increased Reliability </a:t>
             </a:r>
             <a:r>
               <a:rPr lang="zh-TW" altLang="en-US" dirty="0" smtClean="0"/>
@@ -4715,11 +4931,7 @@
           <a:p>
             <a:r>
               <a:rPr lang="en-US" altLang="zh-TW" dirty="0" smtClean="0"/>
-              <a:t>Granular </a:t>
-            </a:r>
-            <a:r>
-              <a:rPr lang="en-US" altLang="zh-TW" dirty="0" smtClean="0"/>
-              <a:t>Scalability </a:t>
+              <a:t>Granular Scalability </a:t>
             </a:r>
             <a:r>
               <a:rPr lang="zh-TW" altLang="en-US" dirty="0" smtClean="0"/>
@@ -4737,11 +4949,7 @@
             </a:r>
             <a:r>
               <a:rPr lang="zh-TW" altLang="en-US" dirty="0" smtClean="0"/>
-              <a:t>簡化</a:t>
-            </a:r>
-            <a:r>
-              <a:rPr lang="zh-TW" altLang="en-US" dirty="0" smtClean="0"/>
-              <a:t>去耦</a:t>
+              <a:t>簡化去耦</a:t>
             </a:r>
           </a:p>
           <a:p>
@@ -4901,11 +5109,7 @@
           <a:p>
             <a:r>
               <a:rPr lang="en-US" altLang="zh-TW" dirty="0" smtClean="0"/>
-              <a:t>AMQP(Advanced Message Queuing </a:t>
-            </a:r>
-            <a:r>
-              <a:rPr lang="en-US" altLang="zh-TW" dirty="0" smtClean="0"/>
-              <a:t>Protocol)</a:t>
+              <a:t>AMQP(Advanced Message Queuing Protocol)</a:t>
             </a:r>
           </a:p>
           <a:p>
@@ -5563,19 +5767,7 @@
           <a:p>
             <a:r>
               <a:rPr lang="en-US" altLang="zh-TW" dirty="0" smtClean="0"/>
-              <a:t>DIY </a:t>
-            </a:r>
-            <a:r>
-              <a:rPr lang="en-US" altLang="zh-TW" dirty="0" smtClean="0"/>
-              <a:t>3 </a:t>
-            </a:r>
-            <a:r>
-              <a:rPr lang="en-US" altLang="zh-TW" dirty="0" smtClean="0"/>
-              <a:t>– </a:t>
-            </a:r>
-            <a:r>
-              <a:rPr lang="en-US" altLang="zh-TW" dirty="0" smtClean="0"/>
-              <a:t>Who is a volunteer?</a:t>
+              <a:t>DIY 3 – Who is a volunteer?</a:t>
             </a:r>
             <a:endParaRPr lang="zh-TW" altLang="en-US" dirty="0"/>
           </a:p>
@@ -5605,11 +5797,7 @@
           <a:p>
             <a:r>
               <a:rPr lang="en-US" altLang="zh-TW" dirty="0" smtClean="0"/>
-              <a:t>Using </a:t>
-            </a:r>
-            <a:r>
-              <a:rPr lang="en-US" altLang="zh-TW" dirty="0" smtClean="0"/>
-              <a:t>RabbitMQ </a:t>
+              <a:t>Using RabbitMQ </a:t>
             </a:r>
             <a:r>
               <a:rPr lang="en-US" altLang="zh-TW" b="1" dirty="0" smtClean="0">
@@ -5619,11 +5807,6 @@
               </a:rPr>
               <a:t>Queues</a:t>
             </a:r>
-            <a:endParaRPr lang="en-US" altLang="zh-TW" b="1" dirty="0" smtClean="0">
-              <a:solidFill>
-                <a:srgbClr val="FF0000"/>
-              </a:solidFill>
-            </a:endParaRPr>
           </a:p>
           <a:p>
             <a:r>
@@ -5650,11 +5833,7 @@
           <a:p>
             <a:r>
               <a:rPr lang="en-US" altLang="zh-TW" dirty="0" smtClean="0"/>
-              <a:t>Only be triggered </a:t>
-            </a:r>
-            <a:r>
-              <a:rPr lang="en-US" altLang="zh-TW" dirty="0" smtClean="0"/>
-              <a:t>when </a:t>
+              <a:t>Only be triggered when </a:t>
             </a:r>
             <a:r>
               <a:rPr lang="en-US" altLang="zh-TW" dirty="0" smtClean="0">
@@ -5677,13 +5856,7 @@
               <a:rPr lang="en-US" altLang="zh-TW" dirty="0" smtClean="0">
                 <a:hlinkClick r:id="rId2"/>
               </a:rPr>
-              <a:t>https://</a:t>
-            </a:r>
-            <a:r>
-              <a:rPr lang="en-US" altLang="zh-TW" dirty="0" smtClean="0">
-                <a:hlinkClick r:id="rId2"/>
-              </a:rPr>
-              <a:t>github.com/jimliu7434/microservice-sample/blob/master/service/example03.js</a:t>
+              <a:t>https://github.com/jimliu7434/microservice-sample/blob/master/service/example03.js</a:t>
             </a:r>
             <a:endParaRPr lang="en-US" altLang="zh-TW" dirty="0"/>
           </a:p>
@@ -5733,19 +5906,7 @@
           <a:p>
             <a:r>
               <a:rPr lang="en-US" altLang="zh-TW" dirty="0" smtClean="0"/>
-              <a:t>DIY </a:t>
-            </a:r>
-            <a:r>
-              <a:rPr lang="en-US" altLang="zh-TW" dirty="0" smtClean="0"/>
-              <a:t>4 </a:t>
-            </a:r>
-            <a:r>
-              <a:rPr lang="en-US" altLang="zh-TW" dirty="0" smtClean="0"/>
-              <a:t>– </a:t>
-            </a:r>
-            <a:r>
-              <a:rPr lang="en-US" altLang="zh-TW" dirty="0" smtClean="0"/>
-              <a:t>Logging Service</a:t>
+              <a:t>DIY 4 – Logging Service</a:t>
             </a:r>
             <a:endParaRPr lang="zh-TW" altLang="en-US" dirty="0"/>
           </a:p>
@@ -5775,11 +5936,7 @@
           <a:p>
             <a:r>
               <a:rPr lang="en-US" altLang="zh-TW" dirty="0" smtClean="0"/>
-              <a:t>Using </a:t>
-            </a:r>
-            <a:r>
-              <a:rPr lang="en-US" altLang="zh-TW" dirty="0" smtClean="0"/>
-              <a:t>RabbitMQ </a:t>
+              <a:t>Using RabbitMQ </a:t>
             </a:r>
             <a:r>
               <a:rPr lang="en-US" altLang="zh-TW" b="1" dirty="0" smtClean="0">
@@ -5789,11 +5946,6 @@
               </a:rPr>
               <a:t>Pub/Sub</a:t>
             </a:r>
-            <a:endParaRPr lang="en-US" altLang="zh-TW" b="1" dirty="0" smtClean="0">
-              <a:solidFill>
-                <a:srgbClr val="FF0000"/>
-              </a:solidFill>
-            </a:endParaRPr>
           </a:p>
           <a:p>
             <a:endParaRPr lang="en-US" altLang="zh-TW" dirty="0" smtClean="0">
@@ -5807,13 +5959,7 @@
               <a:rPr lang="en-US" altLang="zh-TW" dirty="0" smtClean="0">
                 <a:hlinkClick r:id="rId2"/>
               </a:rPr>
-              <a:t>https://</a:t>
-            </a:r>
-            <a:r>
-              <a:rPr lang="en-US" altLang="zh-TW" dirty="0" smtClean="0">
-                <a:hlinkClick r:id="rId2"/>
-              </a:rPr>
-              <a:t>github.com/jimliu7434/microservice-sample/blob/master/service/example04.js</a:t>
+              <a:t>https://github.com/jimliu7434/microservice-sample/blob/master/service/example04.js</a:t>
             </a:r>
             <a:endParaRPr lang="en-US" altLang="zh-TW" dirty="0"/>
           </a:p>

--- a/Microservice03.pptx
+++ b/Microservice03.pptx
@@ -5,7 +5,7 @@
     <p:sldMasterId id="2147483648" r:id="rId1"/>
   </p:sldMasterIdLst>
   <p:notesMasterIdLst>
-    <p:notesMasterId r:id="rId17"/>
+    <p:notesMasterId r:id="rId16"/>
   </p:notesMasterIdLst>
   <p:sldIdLst>
     <p:sldId id="256" r:id="rId2"/>
@@ -20,9 +20,8 @@
     <p:sldId id="270" r:id="rId11"/>
     <p:sldId id="273" r:id="rId12"/>
     <p:sldId id="272" r:id="rId13"/>
-    <p:sldId id="282" r:id="rId14"/>
-    <p:sldId id="283" r:id="rId15"/>
-    <p:sldId id="258" r:id="rId16"/>
+    <p:sldId id="283" r:id="rId14"/>
+    <p:sldId id="258" r:id="rId15"/>
   </p:sldIdLst>
   <p:sldSz cx="9144000" cy="6858000" type="screen4x3"/>
   <p:notesSz cx="6858000" cy="9144000"/>
@@ -207,7 +206,7 @@
             <a:fld id="{1AA0A25A-0933-4BB6-AB00-1CCD3F98FE01}" type="datetimeFigureOut">
               <a:rPr lang="zh-TW" altLang="en-US" smtClean="0"/>
               <a:pPr/>
-              <a:t>2019/9/6</a:t>
+              <a:t>2019/9/9</a:t>
             </a:fld>
             <a:endParaRPr lang="zh-TW" altLang="en-US"/>
           </a:p>
@@ -814,7 +813,7 @@
             <a:fld id="{FD877D34-32F8-4B33-9092-4B8820F5807F}" type="datetimeFigureOut">
               <a:rPr lang="zh-TW" altLang="en-US" smtClean="0"/>
               <a:pPr/>
-              <a:t>2019/9/6</a:t>
+              <a:t>2019/9/9</a:t>
             </a:fld>
             <a:endParaRPr lang="zh-TW" altLang="en-US"/>
           </a:p>
@@ -981,7 +980,7 @@
             <a:fld id="{FD877D34-32F8-4B33-9092-4B8820F5807F}" type="datetimeFigureOut">
               <a:rPr lang="zh-TW" altLang="en-US" smtClean="0"/>
               <a:pPr/>
-              <a:t>2019/9/6</a:t>
+              <a:t>2019/9/9</a:t>
             </a:fld>
             <a:endParaRPr lang="zh-TW" altLang="en-US"/>
           </a:p>
@@ -1158,7 +1157,7 @@
             <a:fld id="{FD877D34-32F8-4B33-9092-4B8820F5807F}" type="datetimeFigureOut">
               <a:rPr lang="zh-TW" altLang="en-US" smtClean="0"/>
               <a:pPr/>
-              <a:t>2019/9/6</a:t>
+              <a:t>2019/9/9</a:t>
             </a:fld>
             <a:endParaRPr lang="zh-TW" altLang="en-US"/>
           </a:p>
@@ -1325,7 +1324,7 @@
             <a:fld id="{FD877D34-32F8-4B33-9092-4B8820F5807F}" type="datetimeFigureOut">
               <a:rPr lang="zh-TW" altLang="en-US" smtClean="0"/>
               <a:pPr/>
-              <a:t>2019/9/6</a:t>
+              <a:t>2019/9/9</a:t>
             </a:fld>
             <a:endParaRPr lang="zh-TW" altLang="en-US"/>
           </a:p>
@@ -1568,7 +1567,7 @@
             <a:fld id="{FD877D34-32F8-4B33-9092-4B8820F5807F}" type="datetimeFigureOut">
               <a:rPr lang="zh-TW" altLang="en-US" smtClean="0"/>
               <a:pPr/>
-              <a:t>2019/9/6</a:t>
+              <a:t>2019/9/9</a:t>
             </a:fld>
             <a:endParaRPr lang="zh-TW" altLang="en-US"/>
           </a:p>
@@ -1853,7 +1852,7 @@
             <a:fld id="{FD877D34-32F8-4B33-9092-4B8820F5807F}" type="datetimeFigureOut">
               <a:rPr lang="zh-TW" altLang="en-US" smtClean="0"/>
               <a:pPr/>
-              <a:t>2019/9/6</a:t>
+              <a:t>2019/9/9</a:t>
             </a:fld>
             <a:endParaRPr lang="zh-TW" altLang="en-US"/>
           </a:p>
@@ -2272,7 +2271,7 @@
             <a:fld id="{FD877D34-32F8-4B33-9092-4B8820F5807F}" type="datetimeFigureOut">
               <a:rPr lang="zh-TW" altLang="en-US" smtClean="0"/>
               <a:pPr/>
-              <a:t>2019/9/6</a:t>
+              <a:t>2019/9/9</a:t>
             </a:fld>
             <a:endParaRPr lang="zh-TW" altLang="en-US"/>
           </a:p>
@@ -2387,7 +2386,7 @@
             <a:fld id="{FD877D34-32F8-4B33-9092-4B8820F5807F}" type="datetimeFigureOut">
               <a:rPr lang="zh-TW" altLang="en-US" smtClean="0"/>
               <a:pPr/>
-              <a:t>2019/9/6</a:t>
+              <a:t>2019/9/9</a:t>
             </a:fld>
             <a:endParaRPr lang="zh-TW" altLang="en-US"/>
           </a:p>
@@ -2479,7 +2478,7 @@
             <a:fld id="{FD877D34-32F8-4B33-9092-4B8820F5807F}" type="datetimeFigureOut">
               <a:rPr lang="zh-TW" altLang="en-US" smtClean="0"/>
               <a:pPr/>
-              <a:t>2019/9/6</a:t>
+              <a:t>2019/9/9</a:t>
             </a:fld>
             <a:endParaRPr lang="zh-TW" altLang="en-US"/>
           </a:p>
@@ -2753,7 +2752,7 @@
             <a:fld id="{FD877D34-32F8-4B33-9092-4B8820F5807F}" type="datetimeFigureOut">
               <a:rPr lang="zh-TW" altLang="en-US" smtClean="0"/>
               <a:pPr/>
-              <a:t>2019/9/6</a:t>
+              <a:t>2019/9/9</a:t>
             </a:fld>
             <a:endParaRPr lang="zh-TW" altLang="en-US"/>
           </a:p>
@@ -3003,7 +3002,7 @@
             <a:fld id="{FD877D34-32F8-4B33-9092-4B8820F5807F}" type="datetimeFigureOut">
               <a:rPr lang="zh-TW" altLang="en-US" smtClean="0"/>
               <a:pPr/>
-              <a:t>2019/9/6</a:t>
+              <a:t>2019/9/9</a:t>
             </a:fld>
             <a:endParaRPr lang="zh-TW" altLang="en-US"/>
           </a:p>
@@ -3213,7 +3212,7 @@
             <a:fld id="{FD877D34-32F8-4B33-9092-4B8820F5807F}" type="datetimeFigureOut">
               <a:rPr lang="zh-TW" altLang="en-US" smtClean="0"/>
               <a:pPr/>
-              <a:t>2019/9/6</a:t>
+              <a:t>2019/9/9</a:t>
             </a:fld>
             <a:endParaRPr lang="zh-TW" altLang="en-US"/>
           </a:p>
@@ -4168,7 +4167,7 @@
           <a:p>
             <a:r>
               <a:rPr lang="en-US" altLang="zh-TW" dirty="0" smtClean="0"/>
-              <a:t>DIY 6 – </a:t>
+              <a:t>DIY 7 – </a:t>
             </a:r>
             <a:r>
               <a:rPr lang="en-US" altLang="zh-TW" dirty="0" err="1" smtClean="0"/>
@@ -4199,165 +4198,30 @@
           <a:p>
             <a:r>
               <a:rPr lang="en-US" altLang="zh-TW" dirty="0" smtClean="0"/>
-              <a:t>With Local </a:t>
+              <a:t>With RabbitMQ  </a:t>
+            </a:r>
+          </a:p>
+          <a:p>
+            <a:r>
+              <a:rPr lang="en-US" altLang="zh-TW" dirty="0" err="1" smtClean="0"/>
+              <a:t>plugin</a:t>
             </a:r>
             <a:r>
               <a:rPr lang="en-US" altLang="zh-TW" dirty="0" smtClean="0"/>
-              <a:t>Code</a:t>
-            </a:r>
-            <a:endParaRPr lang="en-US" altLang="zh-TW" dirty="0" smtClean="0">
-              <a:hlinkClick r:id="rId2"/>
-            </a:endParaRPr>
+              <a:t> </a:t>
+            </a:r>
+            <a:r>
+              <a:rPr lang="en-US" altLang="zh-TW" b="1" dirty="0" err="1" smtClean="0"/>
+              <a:t>rabbitmq_delayed_message_exchange</a:t>
+            </a:r>
+            <a:endParaRPr lang="en-US" altLang="zh-TW" dirty="0" smtClean="0"/>
           </a:p>
           <a:p>
             <a:r>
               <a:rPr lang="en-US" altLang="zh-TW" dirty="0" smtClean="0">
                 <a:hlinkClick r:id="rId2"/>
               </a:rPr>
-              <a:t>https</a:t>
-            </a:r>
-            <a:r>
-              <a:rPr lang="en-US" altLang="zh-TW" dirty="0" smtClean="0">
-                <a:hlinkClick r:id="rId2"/>
-              </a:rPr>
-              <a:t>://</a:t>
-            </a:r>
-            <a:r>
-              <a:rPr lang="en-US" altLang="zh-TW" dirty="0" smtClean="0">
-                <a:hlinkClick r:id="rId2"/>
-              </a:rPr>
-              <a:t>github.com/jimliu7434/microservice-sample/blob/master/service/example06.js</a:t>
-            </a:r>
-            <a:endParaRPr lang="en-US" altLang="zh-TW" dirty="0" smtClean="0"/>
-          </a:p>
-          <a:p>
-            <a:endParaRPr lang="en-US" altLang="zh-TW" dirty="0" smtClean="0"/>
-          </a:p>
-        </p:txBody>
-      </p:sp>
-    </p:spTree>
-  </p:cSld>
-  <p:clrMapOvr>
-    <a:masterClrMapping/>
-  </p:clrMapOvr>
-</p:sld>
-</file>
-
-<file path=ppt/slides/slide14.xml><?xml version="1.0" encoding="utf-8"?>
-<p:sld xmlns:a="http://schemas.openxmlformats.org/drawingml/2006/main" xmlns:r="http://schemas.openxmlformats.org/officeDocument/2006/relationships" xmlns:p="http://schemas.openxmlformats.org/presentationml/2006/main">
-  <p:cSld>
-    <p:spTree>
-      <p:nvGrpSpPr>
-        <p:cNvPr id="1" name=""/>
-        <p:cNvGrpSpPr/>
-        <p:nvPr/>
-      </p:nvGrpSpPr>
-      <p:grpSpPr>
-        <a:xfrm>
-          <a:off x="0" y="0"/>
-          <a:ext cx="0" cy="0"/>
-          <a:chOff x="0" y="0"/>
-          <a:chExt cx="0" cy="0"/>
-        </a:xfrm>
-      </p:grpSpPr>
-      <p:sp>
-        <p:nvSpPr>
-          <p:cNvPr id="2" name="標題 1"/>
-          <p:cNvSpPr>
-            <a:spLocks noGrp="1"/>
-          </p:cNvSpPr>
-          <p:nvPr>
-            <p:ph type="title"/>
-          </p:nvPr>
-        </p:nvSpPr>
-        <p:spPr/>
-        <p:txBody>
-          <a:bodyPr>
-            <a:normAutofit fontScale="90000"/>
-          </a:bodyPr>
-          <a:lstStyle/>
-          <a:p>
-            <a:r>
-              <a:rPr lang="en-US" altLang="zh-TW" dirty="0" smtClean="0"/>
-              <a:t>DIY </a:t>
-            </a:r>
-            <a:r>
-              <a:rPr lang="en-US" altLang="zh-TW" dirty="0" smtClean="0"/>
-              <a:t>7 </a:t>
-            </a:r>
-            <a:r>
-              <a:rPr lang="en-US" altLang="zh-TW" dirty="0" smtClean="0"/>
-              <a:t>– </a:t>
-            </a:r>
-            <a:r>
-              <a:rPr lang="en-US" altLang="zh-TW" dirty="0" err="1" smtClean="0"/>
-              <a:t>Leaderboard</a:t>
-            </a:r>
-            <a:r>
-              <a:rPr lang="en-US" altLang="zh-TW" dirty="0" smtClean="0"/>
-              <a:t> with Time range</a:t>
-            </a:r>
-            <a:endParaRPr lang="zh-TW" altLang="en-US" dirty="0"/>
-          </a:p>
-        </p:txBody>
-      </p:sp>
-      <p:sp>
-        <p:nvSpPr>
-          <p:cNvPr id="3" name="內容版面配置區 2"/>
-          <p:cNvSpPr>
-            <a:spLocks noGrp="1"/>
-          </p:cNvSpPr>
-          <p:nvPr>
-            <p:ph idx="1"/>
-          </p:nvPr>
-        </p:nvSpPr>
-        <p:spPr/>
-        <p:txBody>
-          <a:bodyPr/>
-          <a:lstStyle/>
-          <a:p>
-            <a:r>
-              <a:rPr lang="en-US" altLang="zh-TW" dirty="0" smtClean="0"/>
-              <a:t>With RabbitMQ </a:t>
-            </a:r>
-            <a:r>
-              <a:rPr lang="en-US" altLang="zh-TW" dirty="0" smtClean="0"/>
-              <a:t> </a:t>
-            </a:r>
-          </a:p>
-          <a:p>
-            <a:r>
-              <a:rPr lang="en-US" altLang="zh-TW" dirty="0" err="1" smtClean="0"/>
-              <a:t>plugin</a:t>
-            </a:r>
-            <a:r>
-              <a:rPr lang="en-US" altLang="zh-TW" dirty="0" smtClean="0"/>
-              <a:t> </a:t>
-            </a:r>
-            <a:r>
-              <a:rPr lang="en-US" altLang="zh-TW" b="1" dirty="0" err="1" smtClean="0"/>
-              <a:t>rabbitmq_delayed_message_exchange</a:t>
-            </a:r>
-            <a:endParaRPr lang="en-US" altLang="zh-TW" dirty="0" smtClean="0"/>
-          </a:p>
-          <a:p>
-            <a:r>
-              <a:rPr lang="en-US" altLang="zh-TW" dirty="0" smtClean="0">
-                <a:hlinkClick r:id="rId2"/>
-              </a:rPr>
-              <a:t>https</a:t>
-            </a:r>
-            <a:r>
-              <a:rPr lang="en-US" altLang="zh-TW" dirty="0" smtClean="0">
-                <a:hlinkClick r:id="rId2"/>
-              </a:rPr>
-              <a:t>://</a:t>
-            </a:r>
-            <a:r>
-              <a:rPr lang="en-US" altLang="zh-TW" dirty="0" smtClean="0">
-                <a:hlinkClick r:id="rId2"/>
-              </a:rPr>
-              <a:t>github.com/jimliu7434/microservice-sample/blob/master/service/example07.js</a:t>
+              <a:t>https://github.com/jimliu7434/microservice-sample/blob/master/service/example07.js</a:t>
             </a:r>
             <a:endParaRPr lang="en-US" altLang="zh-TW" dirty="0" smtClean="0"/>
           </a:p>
@@ -4409,7 +4273,7 @@
 </p:sld>
 </file>
 
-<file path=ppt/slides/slide15.xml><?xml version="1.0" encoding="utf-8"?>
+<file path=ppt/slides/slide14.xml><?xml version="1.0" encoding="utf-8"?>
 <p:sld xmlns:a="http://schemas.openxmlformats.org/drawingml/2006/main" xmlns:r="http://schemas.openxmlformats.org/officeDocument/2006/relationships" xmlns:p="http://schemas.openxmlformats.org/presentationml/2006/main">
   <p:cSld>
     <p:spTree>
@@ -4549,7 +4413,7 @@
         </p:spPr>
         <p:txBody>
           <a:bodyPr>
-            <a:normAutofit fontScale="92500" lnSpcReduction="10000"/>
+            <a:normAutofit lnSpcReduction="10000"/>
           </a:bodyPr>
           <a:lstStyle/>
           <a:p>
@@ -4603,13 +4467,7 @@
               <a:rPr lang="en-US" altLang="zh-TW" dirty="0" smtClean="0">
                 <a:hlinkClick r:id="" action="ppaction://noaction"/>
               </a:rPr>
-              <a:t>DIY 5 - Who is </a:t>
-            </a:r>
-            <a:r>
-              <a:rPr lang="en-US" altLang="zh-TW" dirty="0" smtClean="0">
-                <a:hlinkClick r:id="" action="ppaction://noaction"/>
-              </a:rPr>
-              <a:t>online/offline</a:t>
+              <a:t>DIY 5 - Who is online/offline</a:t>
             </a:r>
             <a:endParaRPr lang="en-US" altLang="zh-TW" dirty="0" smtClean="0"/>
           </a:p>
@@ -4624,7 +4482,11 @@
             <a:pPr lvl="1"/>
             <a:r>
               <a:rPr lang="en-US" altLang="zh-TW" dirty="0" smtClean="0"/>
-              <a:t>DIY 6 – </a:t>
+              <a:t>DIY </a:t>
+            </a:r>
+            <a:r>
+              <a:rPr lang="en-US" altLang="zh-TW" dirty="0" smtClean="0"/>
+              <a:t>7 – </a:t>
             </a:r>
             <a:r>
               <a:rPr lang="en-US" altLang="zh-TW" dirty="0" err="1" smtClean="0"/>
@@ -4634,30 +4496,6 @@
               <a:rPr lang="en-US" altLang="zh-TW" dirty="0" smtClean="0"/>
               <a:t> with Time range</a:t>
             </a:r>
-          </a:p>
-          <a:p>
-            <a:pPr lvl="1"/>
-            <a:r>
-              <a:rPr lang="en-US" altLang="zh-TW" smtClean="0"/>
-              <a:t>DIY </a:t>
-            </a:r>
-            <a:r>
-              <a:rPr lang="en-US" altLang="zh-TW" smtClean="0"/>
-              <a:t>7 – </a:t>
-            </a:r>
-            <a:r>
-              <a:rPr lang="en-US" altLang="zh-TW" dirty="0" err="1" smtClean="0"/>
-              <a:t>Leaderboard</a:t>
-            </a:r>
-            <a:r>
-              <a:rPr lang="en-US" altLang="zh-TW" dirty="0" smtClean="0"/>
-              <a:t> with Time </a:t>
-            </a:r>
-            <a:r>
-              <a:rPr lang="en-US" altLang="zh-TW" dirty="0" smtClean="0"/>
-              <a:t>range</a:t>
-            </a:r>
-            <a:endParaRPr lang="en-US" altLang="zh-TW" dirty="0" smtClean="0"/>
           </a:p>
           <a:p>
             <a:r>
@@ -5098,12 +4936,12 @@
         <p:spPr>
           <a:xfrm>
             <a:off x="539552" y="1916832"/>
-            <a:ext cx="8363272" cy="3960440"/>
+            <a:ext cx="8363272" cy="4536504"/>
           </a:xfrm>
         </p:spPr>
         <p:txBody>
           <a:bodyPr>
-            <a:normAutofit fontScale="85000" lnSpcReduction="20000"/>
+            <a:normAutofit fontScale="92500" lnSpcReduction="20000"/>
           </a:bodyPr>
           <a:lstStyle/>
           <a:p>
